--- a/ppt/DeepLearning08-MLP.pptx
+++ b/ppt/DeepLearning08-MLP.pptx
@@ -5,10 +5,10 @@
     <p:sldMasterId id="2147483653" r:id="rId1"/>
   </p:sldMasterIdLst>
   <p:notesMasterIdLst>
-    <p:notesMasterId r:id="rId31"/>
+    <p:notesMasterId r:id="rId30"/>
   </p:notesMasterIdLst>
   <p:handoutMasterIdLst>
-    <p:handoutMasterId r:id="rId32"/>
+    <p:handoutMasterId r:id="rId31"/>
   </p:handoutMasterIdLst>
   <p:sldIdLst>
     <p:sldId id="264" r:id="rId2"/>
@@ -19,27 +19,26 @@
     <p:sldId id="308" r:id="rId7"/>
     <p:sldId id="328" r:id="rId8"/>
     <p:sldId id="310" r:id="rId9"/>
-    <p:sldId id="335" r:id="rId10"/>
-    <p:sldId id="313" r:id="rId11"/>
-    <p:sldId id="330" r:id="rId12"/>
-    <p:sldId id="314" r:id="rId13"/>
-    <p:sldId id="315" r:id="rId14"/>
-    <p:sldId id="316" r:id="rId15"/>
-    <p:sldId id="325" r:id="rId16"/>
-    <p:sldId id="317" r:id="rId17"/>
-    <p:sldId id="319" r:id="rId18"/>
-    <p:sldId id="329" r:id="rId19"/>
-    <p:sldId id="320" r:id="rId20"/>
-    <p:sldId id="334" r:id="rId21"/>
-    <p:sldId id="321" r:id="rId22"/>
-    <p:sldId id="323" r:id="rId23"/>
-    <p:sldId id="324" r:id="rId24"/>
-    <p:sldId id="326" r:id="rId25"/>
-    <p:sldId id="322" r:id="rId26"/>
-    <p:sldId id="318" r:id="rId27"/>
-    <p:sldId id="331" r:id="rId28"/>
-    <p:sldId id="333" r:id="rId29"/>
-    <p:sldId id="332" r:id="rId30"/>
+    <p:sldId id="313" r:id="rId10"/>
+    <p:sldId id="330" r:id="rId11"/>
+    <p:sldId id="314" r:id="rId12"/>
+    <p:sldId id="315" r:id="rId13"/>
+    <p:sldId id="316" r:id="rId14"/>
+    <p:sldId id="325" r:id="rId15"/>
+    <p:sldId id="317" r:id="rId16"/>
+    <p:sldId id="319" r:id="rId17"/>
+    <p:sldId id="329" r:id="rId18"/>
+    <p:sldId id="320" r:id="rId19"/>
+    <p:sldId id="334" r:id="rId20"/>
+    <p:sldId id="321" r:id="rId21"/>
+    <p:sldId id="323" r:id="rId22"/>
+    <p:sldId id="324" r:id="rId23"/>
+    <p:sldId id="326" r:id="rId24"/>
+    <p:sldId id="322" r:id="rId25"/>
+    <p:sldId id="318" r:id="rId26"/>
+    <p:sldId id="331" r:id="rId27"/>
+    <p:sldId id="333" r:id="rId28"/>
+    <p:sldId id="332" r:id="rId29"/>
   </p:sldIdLst>
   <p:sldSz cx="9144000" cy="6858000" type="screen4x3"/>
   <p:notesSz cx="6648450" cy="9782175"/>
@@ -1015,7 +1014,7 @@
               <a:pPr>
                 <a:defRPr/>
               </a:pPr>
-              <a:t>13</a:t>
+              <a:t>12</a:t>
             </a:fld>
             <a:endParaRPr lang="fr-FR"/>
           </a:p>
@@ -3934,98 +3933,6 @@
           <a:p>
             <a:r>
               <a:rPr lang="fr-FR" dirty="0" err="1"/>
-              <a:t>Bias</a:t>
-            </a:r>
-            <a:endParaRPr lang="fr-FR" dirty="0"/>
-          </a:p>
-        </p:txBody>
-      </p:sp>
-      <p:sp>
-        <p:nvSpPr>
-          <p:cNvPr id="3" name="Espace réservé du contenu 2"/>
-          <p:cNvSpPr>
-            <a:spLocks noGrp="1"/>
-          </p:cNvSpPr>
-          <p:nvPr>
-            <p:ph idx="1"/>
-          </p:nvPr>
-        </p:nvSpPr>
-        <p:spPr/>
-        <p:txBody>
-          <a:bodyPr/>
-          <a:lstStyle/>
-          <a:p>
-            <a:r>
-              <a:rPr lang="fr-FR" dirty="0"/>
-              <a:t>Présence ou non d’un seuil</a:t>
-            </a:r>
-          </a:p>
-          <a:p>
-            <a:pPr lvl="1"/>
-            <a:r>
-              <a:rPr lang="fr-FR" dirty="0"/>
-              <a:t>Seuil à 0</a:t>
-            </a:r>
-          </a:p>
-          <a:p>
-            <a:pPr lvl="1"/>
-            <a:r>
-              <a:rPr lang="fr-FR" dirty="0">
-                <a:sym typeface="Wingdings" panose="05000000000000000000" pitchFamily="2" charset="2"/>
-              </a:rPr>
-              <a:t>Ou équivalent à un poids avec une entrée à 1</a:t>
-            </a:r>
-            <a:endParaRPr lang="fr-FR" dirty="0"/>
-          </a:p>
-        </p:txBody>
-      </p:sp>
-    </p:spTree>
-    <p:extLst>
-      <p:ext uri="{BB962C8B-B14F-4D97-AF65-F5344CB8AC3E}">
-        <p14:creationId xmlns:p14="http://schemas.microsoft.com/office/powerpoint/2010/main" val="3568667684"/>
-      </p:ext>
-    </p:extLst>
-  </p:cSld>
-  <p:clrMapOvr>
-    <a:masterClrMapping/>
-  </p:clrMapOvr>
-</p:sld>
-</file>
-
-<file path=ppt/slides/slide11.xml><?xml version="1.0" encoding="utf-8"?>
-<p:sld xmlns:a="http://schemas.openxmlformats.org/drawingml/2006/main" xmlns:r="http://schemas.openxmlformats.org/officeDocument/2006/relationships" xmlns:p="http://schemas.openxmlformats.org/presentationml/2006/main">
-  <p:cSld>
-    <p:spTree>
-      <p:nvGrpSpPr>
-        <p:cNvPr id="1" name=""/>
-        <p:cNvGrpSpPr/>
-        <p:nvPr/>
-      </p:nvGrpSpPr>
-      <p:grpSpPr>
-        <a:xfrm>
-          <a:off x="0" y="0"/>
-          <a:ext cx="0" cy="0"/>
-          <a:chOff x="0" y="0"/>
-          <a:chExt cx="0" cy="0"/>
-        </a:xfrm>
-      </p:grpSpPr>
-      <p:sp>
-        <p:nvSpPr>
-          <p:cNvPr id="2" name="Titre 1"/>
-          <p:cNvSpPr>
-            <a:spLocks noGrp="1"/>
-          </p:cNvSpPr>
-          <p:nvPr>
-            <p:ph type="title"/>
-          </p:nvPr>
-        </p:nvSpPr>
-        <p:spPr/>
-        <p:txBody>
-          <a:bodyPr/>
-          <a:lstStyle/>
-          <a:p>
-            <a:r>
-              <a:rPr lang="fr-FR" dirty="0" err="1"/>
               <a:t>Softmax</a:t>
             </a:r>
             <a:endParaRPr lang="fr-FR" dirty="0"/>
@@ -4157,6 +4064,1010 @@
 </p:sld>
 </file>
 
+<file path=ppt/slides/slide11.xml><?xml version="1.0" encoding="utf-8"?>
+<p:sld xmlns:a="http://schemas.openxmlformats.org/drawingml/2006/main" xmlns:r="http://schemas.openxmlformats.org/officeDocument/2006/relationships" xmlns:p="http://schemas.openxmlformats.org/presentationml/2006/main">
+  <p:cSld>
+    <p:spTree>
+      <p:nvGrpSpPr>
+        <p:cNvPr id="1" name=""/>
+        <p:cNvGrpSpPr/>
+        <p:nvPr/>
+      </p:nvGrpSpPr>
+      <p:grpSpPr>
+        <a:xfrm>
+          <a:off x="0" y="0"/>
+          <a:ext cx="0" cy="0"/>
+          <a:chOff x="0" y="0"/>
+          <a:chExt cx="0" cy="0"/>
+        </a:xfrm>
+      </p:grpSpPr>
+      <p:sp>
+        <p:nvSpPr>
+          <p:cNvPr id="2" name="Titre 1"/>
+          <p:cNvSpPr>
+            <a:spLocks noGrp="1"/>
+          </p:cNvSpPr>
+          <p:nvPr>
+            <p:ph type="title"/>
+          </p:nvPr>
+        </p:nvSpPr>
+        <p:spPr/>
+        <p:txBody>
+          <a:bodyPr/>
+          <a:lstStyle/>
+          <a:p>
+            <a:r>
+              <a:rPr lang="fr-FR" dirty="0" err="1"/>
+              <a:t>Layers</a:t>
+            </a:r>
+            <a:endParaRPr lang="fr-FR" dirty="0"/>
+          </a:p>
+        </p:txBody>
+      </p:sp>
+      <p:sp>
+        <p:nvSpPr>
+          <p:cNvPr id="3" name="Espace réservé du contenu 2"/>
+          <p:cNvSpPr>
+            <a:spLocks noGrp="1"/>
+          </p:cNvSpPr>
+          <p:nvPr>
+            <p:ph idx="1"/>
+          </p:nvPr>
+        </p:nvSpPr>
+        <p:spPr>
+          <a:xfrm>
+            <a:off x="105621" y="1412776"/>
+            <a:ext cx="8766051" cy="5040560"/>
+          </a:xfrm>
+        </p:spPr>
+        <p:txBody>
+          <a:bodyPr/>
+          <a:lstStyle/>
+          <a:p>
+            <a:r>
+              <a:rPr lang="fr-FR" dirty="0"/>
+              <a:t>Les perceptrons peuvent être mis en couche</a:t>
+            </a:r>
+          </a:p>
+          <a:p>
+            <a:endParaRPr lang="fr-FR" dirty="0"/>
+          </a:p>
+        </p:txBody>
+      </p:sp>
+      <p:sp>
+        <p:nvSpPr>
+          <p:cNvPr id="5" name="Rectangle 2"/>
+          <p:cNvSpPr>
+            <a:spLocks noChangeArrowheads="1"/>
+          </p:cNvSpPr>
+          <p:nvPr/>
+        </p:nvSpPr>
+        <p:spPr bwMode="auto">
+          <a:xfrm>
+            <a:off x="1621555" y="2852936"/>
+            <a:ext cx="5830765" cy="1323439"/>
+          </a:xfrm>
+          <a:prstGeom prst="rect">
+            <a:avLst/>
+          </a:prstGeom>
+          <a:solidFill>
+            <a:srgbClr val="FFFFFF"/>
+          </a:solidFill>
+          <a:ln>
+            <a:noFill/>
+          </a:ln>
+          <a:effectLst/>
+          <a:extLst>
+            <a:ext uri="{91240B29-F687-4F45-9708-019B960494DF}">
+              <a14:hiddenLine xmlns:a14="http://schemas.microsoft.com/office/drawing/2010/main" w="9525">
+                <a:solidFill>
+                  <a:schemeClr val="tx1"/>
+                </a:solidFill>
+                <a:miter lim="800000"/>
+                <a:headEnd/>
+                <a:tailEnd/>
+              </a14:hiddenLine>
+            </a:ext>
+            <a:ext uri="{AF507438-7753-43E0-B8FC-AC1667EBCBE1}">
+              <a14:hiddenEffects xmlns:a14="http://schemas.microsoft.com/office/drawing/2010/main">
+                <a:effectLst>
+                  <a:outerShdw dist="35921" dir="2700000" algn="ctr" rotWithShape="0">
+                    <a:schemeClr val="bg2"/>
+                  </a:outerShdw>
+                </a:effectLst>
+              </a14:hiddenEffects>
+            </a:ext>
+          </a:extLst>
+        </p:spPr>
+        <p:txBody>
+          <a:bodyPr vert="horz" wrap="square" lIns="91440" tIns="45720" rIns="91440" bIns="45720" numCol="1" anchor="ctr" anchorCtr="0" compatLnSpc="1">
+            <a:prstTxWarp prst="textNoShape">
+              <a:avLst/>
+            </a:prstTxWarp>
+            <a:spAutoFit/>
+          </a:bodyPr>
+          <a:lstStyle/>
+          <a:p>
+            <a:pPr marL="0" marR="0" lvl="0" indent="0" algn="l" defTabSz="914400" rtl="0" eaLnBrk="0" fontAlgn="base" latinLnBrk="0" hangingPunct="0">
+              <a:lnSpc>
+                <a:spcPct val="100000"/>
+              </a:lnSpc>
+              <a:spcBef>
+                <a:spcPct val="0"/>
+              </a:spcBef>
+              <a:spcAft>
+                <a:spcPct val="0"/>
+              </a:spcAft>
+              <a:buClrTx/>
+              <a:buSzTx/>
+              <a:buFontTx/>
+              <a:buNone/>
+              <a:tabLst/>
+            </a:pPr>
+            <a:r>
+              <a:rPr kumimoji="0" lang="fr-FR" altLang="fr-FR" sz="1000" b="1" i="0" u="none" strike="noStrike" cap="none" normalizeH="0" baseline="0" dirty="0">
+                <a:ln>
+                  <a:noFill/>
+                </a:ln>
+                <a:solidFill>
+                  <a:srgbClr val="000080"/>
+                </a:solidFill>
+                <a:effectLst/>
+                <a:latin typeface="Consolas" panose="020B0609020204030204" pitchFamily="49" charset="0"/>
+              </a:rPr>
+              <a:t>class </a:t>
+            </a:r>
+            <a:r>
+              <a:rPr kumimoji="0" lang="fr-FR" altLang="fr-FR" sz="1000" b="0" i="0" u="none" strike="noStrike" cap="none" normalizeH="0" baseline="0" dirty="0">
+                <a:ln>
+                  <a:noFill/>
+                </a:ln>
+                <a:solidFill>
+                  <a:srgbClr val="000000"/>
+                </a:solidFill>
+                <a:effectLst/>
+                <a:latin typeface="Consolas" panose="020B0609020204030204" pitchFamily="49" charset="0"/>
+              </a:rPr>
+              <a:t>Layer:</a:t>
+            </a:r>
+            <a:br>
+              <a:rPr kumimoji="0" lang="fr-FR" altLang="fr-FR" sz="1000" b="0" i="0" u="none" strike="noStrike" cap="none" normalizeH="0" baseline="0" dirty="0">
+                <a:ln>
+                  <a:noFill/>
+                </a:ln>
+                <a:solidFill>
+                  <a:srgbClr val="000000"/>
+                </a:solidFill>
+                <a:effectLst/>
+                <a:latin typeface="Consolas" panose="020B0609020204030204" pitchFamily="49" charset="0"/>
+              </a:rPr>
+            </a:br>
+            <a:br>
+              <a:rPr kumimoji="0" lang="fr-FR" altLang="fr-FR" sz="1000" b="0" i="0" u="none" strike="noStrike" cap="none" normalizeH="0" baseline="0" dirty="0">
+                <a:ln>
+                  <a:noFill/>
+                </a:ln>
+                <a:solidFill>
+                  <a:srgbClr val="000000"/>
+                </a:solidFill>
+                <a:effectLst/>
+                <a:latin typeface="Consolas" panose="020B0609020204030204" pitchFamily="49" charset="0"/>
+              </a:rPr>
+            </a:br>
+            <a:r>
+              <a:rPr kumimoji="0" lang="fr-FR" altLang="fr-FR" sz="1000" b="0" i="0" u="none" strike="noStrike" cap="none" normalizeH="0" baseline="0" dirty="0">
+                <a:ln>
+                  <a:noFill/>
+                </a:ln>
+                <a:solidFill>
+                  <a:srgbClr val="000000"/>
+                </a:solidFill>
+                <a:effectLst/>
+                <a:latin typeface="Consolas" panose="020B0609020204030204" pitchFamily="49" charset="0"/>
+              </a:rPr>
+              <a:t>    </a:t>
+            </a:r>
+            <a:r>
+              <a:rPr kumimoji="0" lang="fr-FR" altLang="fr-FR" sz="1000" b="1" i="0" u="none" strike="noStrike" cap="none" normalizeH="0" baseline="0" dirty="0" err="1">
+                <a:ln>
+                  <a:noFill/>
+                </a:ln>
+                <a:solidFill>
+                  <a:srgbClr val="000080"/>
+                </a:solidFill>
+                <a:effectLst/>
+                <a:latin typeface="Consolas" panose="020B0609020204030204" pitchFamily="49" charset="0"/>
+              </a:rPr>
+              <a:t>def</a:t>
+            </a:r>
+            <a:r>
+              <a:rPr kumimoji="0" lang="fr-FR" altLang="fr-FR" sz="1000" b="1" i="0" u="none" strike="noStrike" cap="none" normalizeH="0" baseline="0" dirty="0">
+                <a:ln>
+                  <a:noFill/>
+                </a:ln>
+                <a:solidFill>
+                  <a:srgbClr val="000080"/>
+                </a:solidFill>
+                <a:effectLst/>
+                <a:latin typeface="Consolas" panose="020B0609020204030204" pitchFamily="49" charset="0"/>
+              </a:rPr>
+              <a:t> </a:t>
+            </a:r>
+            <a:r>
+              <a:rPr kumimoji="0" lang="fr-FR" altLang="fr-FR" sz="1000" b="0" i="0" u="none" strike="noStrike" cap="none" normalizeH="0" baseline="0" dirty="0">
+                <a:ln>
+                  <a:noFill/>
+                </a:ln>
+                <a:solidFill>
+                  <a:srgbClr val="B200B2"/>
+                </a:solidFill>
+                <a:effectLst/>
+                <a:latin typeface="Consolas" panose="020B0609020204030204" pitchFamily="49" charset="0"/>
+              </a:rPr>
+              <a:t>__</a:t>
+            </a:r>
+            <a:r>
+              <a:rPr kumimoji="0" lang="fr-FR" altLang="fr-FR" sz="1000" b="0" i="0" u="none" strike="noStrike" cap="none" normalizeH="0" baseline="0" dirty="0" err="1">
+                <a:ln>
+                  <a:noFill/>
+                </a:ln>
+                <a:solidFill>
+                  <a:srgbClr val="B200B2"/>
+                </a:solidFill>
+                <a:effectLst/>
+                <a:latin typeface="Consolas" panose="020B0609020204030204" pitchFamily="49" charset="0"/>
+              </a:rPr>
+              <a:t>init</a:t>
+            </a:r>
+            <a:r>
+              <a:rPr kumimoji="0" lang="fr-FR" altLang="fr-FR" sz="1000" b="0" i="0" u="none" strike="noStrike" cap="none" normalizeH="0" baseline="0" dirty="0">
+                <a:ln>
+                  <a:noFill/>
+                </a:ln>
+                <a:solidFill>
+                  <a:srgbClr val="B200B2"/>
+                </a:solidFill>
+                <a:effectLst/>
+                <a:latin typeface="Consolas" panose="020B0609020204030204" pitchFamily="49" charset="0"/>
+              </a:rPr>
+              <a:t>__</a:t>
+            </a:r>
+            <a:r>
+              <a:rPr kumimoji="0" lang="fr-FR" altLang="fr-FR" sz="1000" b="0" i="0" u="none" strike="noStrike" cap="none" normalizeH="0" baseline="0" dirty="0">
+                <a:ln>
+                  <a:noFill/>
+                </a:ln>
+                <a:solidFill>
+                  <a:srgbClr val="000000"/>
+                </a:solidFill>
+                <a:effectLst/>
+                <a:latin typeface="Consolas" panose="020B0609020204030204" pitchFamily="49" charset="0"/>
+              </a:rPr>
+              <a:t>(</a:t>
+            </a:r>
+            <a:r>
+              <a:rPr kumimoji="0" lang="fr-FR" altLang="fr-FR" sz="1000" b="0" i="0" u="none" strike="noStrike" cap="none" normalizeH="0" baseline="0" dirty="0">
+                <a:ln>
+                  <a:noFill/>
+                </a:ln>
+                <a:solidFill>
+                  <a:srgbClr val="94558D"/>
+                </a:solidFill>
+                <a:effectLst/>
+                <a:latin typeface="Consolas" panose="020B0609020204030204" pitchFamily="49" charset="0"/>
+              </a:rPr>
+              <a:t>self</a:t>
+            </a:r>
+            <a:r>
+              <a:rPr kumimoji="0" lang="fr-FR" altLang="fr-FR" sz="1000" b="0" i="0" u="none" strike="noStrike" cap="none" normalizeH="0" baseline="0" dirty="0">
+                <a:ln>
+                  <a:noFill/>
+                </a:ln>
+                <a:solidFill>
+                  <a:srgbClr val="000000"/>
+                </a:solidFill>
+                <a:effectLst/>
+                <a:latin typeface="Consolas" panose="020B0609020204030204" pitchFamily="49" charset="0"/>
+              </a:rPr>
+              <a:t>, </a:t>
+            </a:r>
+            <a:r>
+              <a:rPr kumimoji="0" lang="fr-FR" altLang="fr-FR" sz="1000" b="0" i="0" u="none" strike="noStrike" cap="none" normalizeH="0" baseline="0" dirty="0" err="1">
+                <a:ln>
+                  <a:noFill/>
+                </a:ln>
+                <a:solidFill>
+                  <a:srgbClr val="000000"/>
+                </a:solidFill>
+                <a:effectLst/>
+                <a:latin typeface="Consolas" panose="020B0609020204030204" pitchFamily="49" charset="0"/>
+              </a:rPr>
+              <a:t>id:</a:t>
+            </a:r>
+            <a:r>
+              <a:rPr kumimoji="0" lang="fr-FR" altLang="fr-FR" sz="1000" b="0" i="0" u="none" strike="noStrike" cap="none" normalizeH="0" baseline="0" dirty="0" err="1">
+                <a:ln>
+                  <a:noFill/>
+                </a:ln>
+                <a:solidFill>
+                  <a:srgbClr val="000080"/>
+                </a:solidFill>
+                <a:effectLst/>
+                <a:latin typeface="Consolas" panose="020B0609020204030204" pitchFamily="49" charset="0"/>
+              </a:rPr>
+              <a:t>str</a:t>
+            </a:r>
+            <a:r>
+              <a:rPr kumimoji="0" lang="fr-FR" altLang="fr-FR" sz="1000" b="0" i="0" u="none" strike="noStrike" cap="none" normalizeH="0" baseline="0" dirty="0">
+                <a:ln>
+                  <a:noFill/>
+                </a:ln>
+                <a:solidFill>
+                  <a:srgbClr val="000000"/>
+                </a:solidFill>
+                <a:effectLst/>
+                <a:latin typeface="Consolas" panose="020B0609020204030204" pitchFamily="49" charset="0"/>
+              </a:rPr>
+              <a:t>, </a:t>
+            </a:r>
+            <a:r>
+              <a:rPr kumimoji="0" lang="fr-FR" altLang="fr-FR" sz="1000" b="0" i="0" u="none" strike="noStrike" cap="none" normalizeH="0" baseline="0" dirty="0" err="1">
+                <a:ln>
+                  <a:noFill/>
+                </a:ln>
+                <a:solidFill>
+                  <a:srgbClr val="000000"/>
+                </a:solidFill>
+                <a:effectLst/>
+                <a:latin typeface="Consolas" panose="020B0609020204030204" pitchFamily="49" charset="0"/>
+              </a:rPr>
+              <a:t>nbPerceptron:</a:t>
+            </a:r>
+            <a:r>
+              <a:rPr kumimoji="0" lang="fr-FR" altLang="fr-FR" sz="1000" b="0" i="0" u="none" strike="noStrike" cap="none" normalizeH="0" baseline="0" dirty="0" err="1">
+                <a:ln>
+                  <a:noFill/>
+                </a:ln>
+                <a:solidFill>
+                  <a:srgbClr val="000080"/>
+                </a:solidFill>
+                <a:effectLst/>
+                <a:latin typeface="Consolas" panose="020B0609020204030204" pitchFamily="49" charset="0"/>
+              </a:rPr>
+              <a:t>int</a:t>
+            </a:r>
+            <a:r>
+              <a:rPr kumimoji="0" lang="fr-FR" altLang="fr-FR" sz="1000" b="0" i="0" u="none" strike="noStrike" cap="none" normalizeH="0" baseline="0" dirty="0">
+                <a:ln>
+                  <a:noFill/>
+                </a:ln>
+                <a:solidFill>
+                  <a:srgbClr val="000080"/>
+                </a:solidFill>
+                <a:effectLst/>
+                <a:latin typeface="Consolas" panose="020B0609020204030204" pitchFamily="49" charset="0"/>
+              </a:rPr>
+              <a:t> </a:t>
+            </a:r>
+            <a:r>
+              <a:rPr kumimoji="0" lang="fr-FR" altLang="fr-FR" sz="1000" b="0" i="0" u="none" strike="noStrike" cap="none" normalizeH="0" baseline="0" dirty="0">
+                <a:ln>
+                  <a:noFill/>
+                </a:ln>
+                <a:solidFill>
+                  <a:srgbClr val="000000"/>
+                </a:solidFill>
+                <a:effectLst/>
+                <a:latin typeface="Consolas" panose="020B0609020204030204" pitchFamily="49" charset="0"/>
+              </a:rPr>
+              <a:t>= </a:t>
+            </a:r>
+            <a:r>
+              <a:rPr kumimoji="0" lang="fr-FR" altLang="fr-FR" sz="1000" b="0" i="0" u="none" strike="noStrike" cap="none" normalizeH="0" baseline="0" dirty="0">
+                <a:ln>
+                  <a:noFill/>
+                </a:ln>
+                <a:solidFill>
+                  <a:srgbClr val="0000FF"/>
+                </a:solidFill>
+                <a:effectLst/>
+                <a:latin typeface="Consolas" panose="020B0609020204030204" pitchFamily="49" charset="0"/>
+              </a:rPr>
+              <a:t>0</a:t>
+            </a:r>
+            <a:r>
+              <a:rPr kumimoji="0" lang="fr-FR" altLang="fr-FR" sz="1000" b="0" i="0" u="none" strike="noStrike" cap="none" normalizeH="0" baseline="0" dirty="0">
+                <a:ln>
+                  <a:noFill/>
+                </a:ln>
+                <a:solidFill>
+                  <a:srgbClr val="000000"/>
+                </a:solidFill>
+                <a:effectLst/>
+                <a:latin typeface="Consolas" panose="020B0609020204030204" pitchFamily="49" charset="0"/>
+              </a:rPr>
+              <a:t>, </a:t>
+            </a:r>
+            <a:r>
+              <a:rPr kumimoji="0" lang="fr-FR" altLang="fr-FR" sz="1000" b="0" i="0" u="none" strike="noStrike" cap="none" normalizeH="0" baseline="0" dirty="0" err="1">
+                <a:ln>
+                  <a:noFill/>
+                </a:ln>
+                <a:solidFill>
+                  <a:srgbClr val="000000"/>
+                </a:solidFill>
+                <a:effectLst/>
+                <a:latin typeface="Consolas" panose="020B0609020204030204" pitchFamily="49" charset="0"/>
+              </a:rPr>
+              <a:t>activationFn</a:t>
+            </a:r>
+            <a:r>
+              <a:rPr kumimoji="0" lang="fr-FR" altLang="fr-FR" sz="1000" b="0" i="0" u="none" strike="noStrike" cap="none" normalizeH="0" baseline="0" dirty="0">
+                <a:ln>
+                  <a:noFill/>
+                </a:ln>
+                <a:solidFill>
+                  <a:srgbClr val="000000"/>
+                </a:solidFill>
+                <a:effectLst/>
+                <a:latin typeface="Consolas" panose="020B0609020204030204" pitchFamily="49" charset="0"/>
+              </a:rPr>
+              <a:t> = </a:t>
+            </a:r>
+            <a:r>
+              <a:rPr kumimoji="0" lang="fr-FR" altLang="fr-FR" sz="1000" b="0" i="0" u="none" strike="noStrike" cap="none" normalizeH="0" baseline="0" dirty="0" err="1">
+                <a:ln>
+                  <a:noFill/>
+                </a:ln>
+                <a:solidFill>
+                  <a:srgbClr val="000000"/>
+                </a:solidFill>
+                <a:effectLst/>
+                <a:latin typeface="Consolas" panose="020B0609020204030204" pitchFamily="49" charset="0"/>
+              </a:rPr>
+              <a:t>reluFn</a:t>
+            </a:r>
+            <a:r>
+              <a:rPr kumimoji="0" lang="fr-FR" altLang="fr-FR" sz="1000" b="0" i="0" u="none" strike="noStrike" cap="none" normalizeH="0" baseline="0" dirty="0">
+                <a:ln>
+                  <a:noFill/>
+                </a:ln>
+                <a:solidFill>
+                  <a:srgbClr val="000000"/>
+                </a:solidFill>
+                <a:effectLst/>
+                <a:latin typeface="Consolas" panose="020B0609020204030204" pitchFamily="49" charset="0"/>
+              </a:rPr>
+              <a:t>):</a:t>
+            </a:r>
+            <a:br>
+              <a:rPr kumimoji="0" lang="fr-FR" altLang="fr-FR" sz="1000" b="0" i="0" u="none" strike="noStrike" cap="none" normalizeH="0" baseline="0" dirty="0">
+                <a:ln>
+                  <a:noFill/>
+                </a:ln>
+                <a:solidFill>
+                  <a:srgbClr val="000000"/>
+                </a:solidFill>
+                <a:effectLst/>
+                <a:latin typeface="Consolas" panose="020B0609020204030204" pitchFamily="49" charset="0"/>
+              </a:rPr>
+            </a:br>
+            <a:r>
+              <a:rPr kumimoji="0" lang="fr-FR" altLang="fr-FR" sz="1000" b="0" i="0" u="none" strike="noStrike" cap="none" normalizeH="0" baseline="0" dirty="0">
+                <a:ln>
+                  <a:noFill/>
+                </a:ln>
+                <a:solidFill>
+                  <a:srgbClr val="000000"/>
+                </a:solidFill>
+                <a:effectLst/>
+                <a:latin typeface="Consolas" panose="020B0609020204030204" pitchFamily="49" charset="0"/>
+              </a:rPr>
+              <a:t>        </a:t>
+            </a:r>
+            <a:r>
+              <a:rPr kumimoji="0" lang="fr-FR" altLang="fr-FR" sz="1000" b="0" i="0" u="none" strike="noStrike" cap="none" normalizeH="0" baseline="0" dirty="0">
+                <a:ln>
+                  <a:noFill/>
+                </a:ln>
+                <a:solidFill>
+                  <a:srgbClr val="94558D"/>
+                </a:solidFill>
+                <a:effectLst/>
+                <a:latin typeface="Consolas" panose="020B0609020204030204" pitchFamily="49" charset="0"/>
+              </a:rPr>
+              <a:t>self</a:t>
+            </a:r>
+            <a:r>
+              <a:rPr kumimoji="0" lang="fr-FR" altLang="fr-FR" sz="1000" b="0" i="0" u="none" strike="noStrike" cap="none" normalizeH="0" baseline="0" dirty="0">
+                <a:ln>
+                  <a:noFill/>
+                </a:ln>
+                <a:solidFill>
+                  <a:srgbClr val="000000"/>
+                </a:solidFill>
+                <a:effectLst/>
+                <a:latin typeface="Consolas" panose="020B0609020204030204" pitchFamily="49" charset="0"/>
+              </a:rPr>
+              <a:t>.id = id</a:t>
+            </a:r>
+            <a:br>
+              <a:rPr kumimoji="0" lang="fr-FR" altLang="fr-FR" sz="1000" b="0" i="0" u="none" strike="noStrike" cap="none" normalizeH="0" baseline="0" dirty="0">
+                <a:ln>
+                  <a:noFill/>
+                </a:ln>
+                <a:solidFill>
+                  <a:srgbClr val="000000"/>
+                </a:solidFill>
+                <a:effectLst/>
+                <a:latin typeface="Consolas" panose="020B0609020204030204" pitchFamily="49" charset="0"/>
+              </a:rPr>
+            </a:br>
+            <a:r>
+              <a:rPr kumimoji="0" lang="fr-FR" altLang="fr-FR" sz="1000" b="0" i="0" u="none" strike="noStrike" cap="none" normalizeH="0" baseline="0" dirty="0">
+                <a:ln>
+                  <a:noFill/>
+                </a:ln>
+                <a:solidFill>
+                  <a:srgbClr val="000000"/>
+                </a:solidFill>
+                <a:effectLst/>
+                <a:latin typeface="Consolas" panose="020B0609020204030204" pitchFamily="49" charset="0"/>
+              </a:rPr>
+              <a:t>        </a:t>
+            </a:r>
+            <a:r>
+              <a:rPr kumimoji="0" lang="fr-FR" altLang="fr-FR" sz="1000" b="0" i="0" u="none" strike="noStrike" cap="none" normalizeH="0" baseline="0" dirty="0" err="1">
+                <a:ln>
+                  <a:noFill/>
+                </a:ln>
+                <a:solidFill>
+                  <a:srgbClr val="94558D"/>
+                </a:solidFill>
+                <a:effectLst/>
+                <a:latin typeface="Consolas" panose="020B0609020204030204" pitchFamily="49" charset="0"/>
+              </a:rPr>
+              <a:t>self</a:t>
+            </a:r>
+            <a:r>
+              <a:rPr kumimoji="0" lang="fr-FR" altLang="fr-FR" sz="1000" b="0" i="0" u="none" strike="noStrike" cap="none" normalizeH="0" baseline="0" dirty="0" err="1">
+                <a:ln>
+                  <a:noFill/>
+                </a:ln>
+                <a:solidFill>
+                  <a:srgbClr val="000000"/>
+                </a:solidFill>
+                <a:effectLst/>
+                <a:latin typeface="Consolas" panose="020B0609020204030204" pitchFamily="49" charset="0"/>
+              </a:rPr>
+              <a:t>.perceptrons</a:t>
+            </a:r>
+            <a:r>
+              <a:rPr kumimoji="0" lang="fr-FR" altLang="fr-FR" sz="1000" b="0" i="0" u="none" strike="noStrike" cap="none" normalizeH="0" baseline="0" dirty="0">
+                <a:ln>
+                  <a:noFill/>
+                </a:ln>
+                <a:solidFill>
+                  <a:srgbClr val="000000"/>
+                </a:solidFill>
+                <a:effectLst/>
+                <a:latin typeface="Consolas" panose="020B0609020204030204" pitchFamily="49" charset="0"/>
+              </a:rPr>
+              <a:t>: List[Perceptron] = []</a:t>
+            </a:r>
+            <a:br>
+              <a:rPr kumimoji="0" lang="fr-FR" altLang="fr-FR" sz="1000" b="0" i="0" u="none" strike="noStrike" cap="none" normalizeH="0" baseline="0" dirty="0">
+                <a:ln>
+                  <a:noFill/>
+                </a:ln>
+                <a:solidFill>
+                  <a:srgbClr val="000000"/>
+                </a:solidFill>
+                <a:effectLst/>
+                <a:latin typeface="Consolas" panose="020B0609020204030204" pitchFamily="49" charset="0"/>
+              </a:rPr>
+            </a:br>
+            <a:r>
+              <a:rPr kumimoji="0" lang="fr-FR" altLang="fr-FR" sz="1000" b="0" i="0" u="none" strike="noStrike" cap="none" normalizeH="0" baseline="0" dirty="0">
+                <a:ln>
+                  <a:noFill/>
+                </a:ln>
+                <a:solidFill>
+                  <a:srgbClr val="000000"/>
+                </a:solidFill>
+                <a:effectLst/>
+                <a:latin typeface="Consolas" panose="020B0609020204030204" pitchFamily="49" charset="0"/>
+              </a:rPr>
+              <a:t>        </a:t>
+            </a:r>
+            <a:r>
+              <a:rPr kumimoji="0" lang="fr-FR" altLang="fr-FR" sz="1000" b="1" i="0" u="none" strike="noStrike" cap="none" normalizeH="0" baseline="0" dirty="0">
+                <a:ln>
+                  <a:noFill/>
+                </a:ln>
+                <a:solidFill>
+                  <a:srgbClr val="000080"/>
+                </a:solidFill>
+                <a:effectLst/>
+                <a:latin typeface="Consolas" panose="020B0609020204030204" pitchFamily="49" charset="0"/>
+              </a:rPr>
+              <a:t>for </a:t>
+            </a:r>
+            <a:r>
+              <a:rPr kumimoji="0" lang="fr-FR" altLang="fr-FR" sz="1000" b="0" i="0" u="none" strike="noStrike" cap="none" normalizeH="0" baseline="0" dirty="0">
+                <a:ln>
+                  <a:noFill/>
+                </a:ln>
+                <a:solidFill>
+                  <a:srgbClr val="000000"/>
+                </a:solidFill>
+                <a:effectLst/>
+                <a:latin typeface="Consolas" panose="020B0609020204030204" pitchFamily="49" charset="0"/>
+              </a:rPr>
+              <a:t>i </a:t>
+            </a:r>
+            <a:r>
+              <a:rPr kumimoji="0" lang="fr-FR" altLang="fr-FR" sz="1000" b="1" i="0" u="none" strike="noStrike" cap="none" normalizeH="0" baseline="0" dirty="0">
+                <a:ln>
+                  <a:noFill/>
+                </a:ln>
+                <a:solidFill>
+                  <a:srgbClr val="000080"/>
+                </a:solidFill>
+                <a:effectLst/>
+                <a:latin typeface="Consolas" panose="020B0609020204030204" pitchFamily="49" charset="0"/>
+              </a:rPr>
+              <a:t>in </a:t>
+            </a:r>
+            <a:r>
+              <a:rPr kumimoji="0" lang="fr-FR" altLang="fr-FR" sz="1000" b="0" i="0" u="none" strike="noStrike" cap="none" normalizeH="0" baseline="0" dirty="0">
+                <a:ln>
+                  <a:noFill/>
+                </a:ln>
+                <a:solidFill>
+                  <a:srgbClr val="000080"/>
+                </a:solidFill>
+                <a:effectLst/>
+                <a:latin typeface="Consolas" panose="020B0609020204030204" pitchFamily="49" charset="0"/>
+              </a:rPr>
+              <a:t>range</a:t>
+            </a:r>
+            <a:r>
+              <a:rPr kumimoji="0" lang="fr-FR" altLang="fr-FR" sz="1000" b="0" i="0" u="none" strike="noStrike" cap="none" normalizeH="0" baseline="0" dirty="0">
+                <a:ln>
+                  <a:noFill/>
+                </a:ln>
+                <a:solidFill>
+                  <a:srgbClr val="000000"/>
+                </a:solidFill>
+                <a:effectLst/>
+                <a:latin typeface="Consolas" panose="020B0609020204030204" pitchFamily="49" charset="0"/>
+              </a:rPr>
+              <a:t>(</a:t>
+            </a:r>
+            <a:r>
+              <a:rPr kumimoji="0" lang="fr-FR" altLang="fr-FR" sz="1000" b="0" i="0" u="none" strike="noStrike" cap="none" normalizeH="0" baseline="0" dirty="0" err="1">
+                <a:ln>
+                  <a:noFill/>
+                </a:ln>
+                <a:solidFill>
+                  <a:srgbClr val="000000"/>
+                </a:solidFill>
+                <a:effectLst/>
+                <a:latin typeface="Consolas" panose="020B0609020204030204" pitchFamily="49" charset="0"/>
+              </a:rPr>
+              <a:t>nbPerceptron</a:t>
+            </a:r>
+            <a:r>
+              <a:rPr kumimoji="0" lang="fr-FR" altLang="fr-FR" sz="1000" b="0" i="0" u="none" strike="noStrike" cap="none" normalizeH="0" baseline="0" dirty="0">
+                <a:ln>
+                  <a:noFill/>
+                </a:ln>
+                <a:solidFill>
+                  <a:srgbClr val="000000"/>
+                </a:solidFill>
+                <a:effectLst/>
+                <a:latin typeface="Consolas" panose="020B0609020204030204" pitchFamily="49" charset="0"/>
+              </a:rPr>
+              <a:t>):</a:t>
+            </a:r>
+            <a:br>
+              <a:rPr kumimoji="0" lang="fr-FR" altLang="fr-FR" sz="1000" b="0" i="0" u="none" strike="noStrike" cap="none" normalizeH="0" baseline="0" dirty="0">
+                <a:ln>
+                  <a:noFill/>
+                </a:ln>
+                <a:solidFill>
+                  <a:srgbClr val="000000"/>
+                </a:solidFill>
+                <a:effectLst/>
+                <a:latin typeface="Consolas" panose="020B0609020204030204" pitchFamily="49" charset="0"/>
+              </a:rPr>
+            </a:br>
+            <a:r>
+              <a:rPr kumimoji="0" lang="fr-FR" altLang="fr-FR" sz="1000" b="0" i="0" u="none" strike="noStrike" cap="none" normalizeH="0" baseline="0" dirty="0">
+                <a:ln>
+                  <a:noFill/>
+                </a:ln>
+                <a:solidFill>
+                  <a:srgbClr val="000000"/>
+                </a:solidFill>
+                <a:effectLst/>
+                <a:latin typeface="Consolas" panose="020B0609020204030204" pitchFamily="49" charset="0"/>
+              </a:rPr>
+              <a:t>            p = Perceptron(</a:t>
+            </a:r>
+            <a:r>
+              <a:rPr kumimoji="0" lang="fr-FR" altLang="fr-FR" sz="1000" b="1" i="0" u="none" strike="noStrike" cap="none" normalizeH="0" baseline="0" dirty="0">
+                <a:ln>
+                  <a:noFill/>
+                </a:ln>
+                <a:solidFill>
+                  <a:srgbClr val="008080"/>
+                </a:solidFill>
+                <a:effectLst/>
+                <a:latin typeface="Consolas" panose="020B0609020204030204" pitchFamily="49" charset="0"/>
+              </a:rPr>
+              <a:t>f"</a:t>
+            </a:r>
+            <a:r>
+              <a:rPr kumimoji="0" lang="fr-FR" altLang="fr-FR" sz="1000" b="1" i="0" u="none" strike="noStrike" cap="none" normalizeH="0" baseline="0" dirty="0">
+                <a:ln>
+                  <a:noFill/>
+                </a:ln>
+                <a:solidFill>
+                  <a:srgbClr val="000080"/>
+                </a:solidFill>
+                <a:effectLst/>
+                <a:latin typeface="Consolas" panose="020B0609020204030204" pitchFamily="49" charset="0"/>
+              </a:rPr>
+              <a:t>{</a:t>
+            </a:r>
+            <a:r>
+              <a:rPr kumimoji="0" lang="fr-FR" altLang="fr-FR" sz="1000" b="0" i="0" u="none" strike="noStrike" cap="none" normalizeH="0" baseline="0" dirty="0">
+                <a:ln>
+                  <a:noFill/>
+                </a:ln>
+                <a:solidFill>
+                  <a:srgbClr val="000000"/>
+                </a:solidFill>
+                <a:effectLst/>
+                <a:latin typeface="Consolas" panose="020B0609020204030204" pitchFamily="49" charset="0"/>
+              </a:rPr>
+              <a:t>id</a:t>
+            </a:r>
+            <a:r>
+              <a:rPr kumimoji="0" lang="fr-FR" altLang="fr-FR" sz="1000" b="1" i="0" u="none" strike="noStrike" cap="none" normalizeH="0" baseline="0" dirty="0">
+                <a:ln>
+                  <a:noFill/>
+                </a:ln>
+                <a:solidFill>
+                  <a:srgbClr val="000080"/>
+                </a:solidFill>
+                <a:effectLst/>
+                <a:latin typeface="Consolas" panose="020B0609020204030204" pitchFamily="49" charset="0"/>
+              </a:rPr>
+              <a:t>}</a:t>
+            </a:r>
+            <a:r>
+              <a:rPr kumimoji="0" lang="fr-FR" altLang="fr-FR" sz="1000" b="1" i="0" u="none" strike="noStrike" cap="none" normalizeH="0" baseline="0" dirty="0">
+                <a:ln>
+                  <a:noFill/>
+                </a:ln>
+                <a:solidFill>
+                  <a:srgbClr val="008080"/>
+                </a:solidFill>
+                <a:effectLst/>
+                <a:latin typeface="Consolas" panose="020B0609020204030204" pitchFamily="49" charset="0"/>
+              </a:rPr>
+              <a:t>-</a:t>
+            </a:r>
+            <a:r>
+              <a:rPr kumimoji="0" lang="fr-FR" altLang="fr-FR" sz="1000" b="1" i="0" u="none" strike="noStrike" cap="none" normalizeH="0" baseline="0" dirty="0">
+                <a:ln>
+                  <a:noFill/>
+                </a:ln>
+                <a:solidFill>
+                  <a:srgbClr val="000080"/>
+                </a:solidFill>
+                <a:effectLst/>
+                <a:latin typeface="Consolas" panose="020B0609020204030204" pitchFamily="49" charset="0"/>
+              </a:rPr>
+              <a:t>{</a:t>
+            </a:r>
+            <a:r>
+              <a:rPr kumimoji="0" lang="fr-FR" altLang="fr-FR" sz="1000" b="0" i="0" u="none" strike="noStrike" cap="none" normalizeH="0" baseline="0" dirty="0">
+                <a:ln>
+                  <a:noFill/>
+                </a:ln>
+                <a:solidFill>
+                  <a:srgbClr val="000000"/>
+                </a:solidFill>
+                <a:effectLst/>
+                <a:latin typeface="Consolas" panose="020B0609020204030204" pitchFamily="49" charset="0"/>
+              </a:rPr>
+              <a:t>i</a:t>
+            </a:r>
+            <a:r>
+              <a:rPr kumimoji="0" lang="fr-FR" altLang="fr-FR" sz="1000" b="1" i="0" u="none" strike="noStrike" cap="none" normalizeH="0" baseline="0" dirty="0">
+                <a:ln>
+                  <a:noFill/>
+                </a:ln>
+                <a:solidFill>
+                  <a:srgbClr val="000080"/>
+                </a:solidFill>
+                <a:effectLst/>
+                <a:latin typeface="Consolas" panose="020B0609020204030204" pitchFamily="49" charset="0"/>
+              </a:rPr>
+              <a:t>}</a:t>
+            </a:r>
+            <a:r>
+              <a:rPr kumimoji="0" lang="fr-FR" altLang="fr-FR" sz="1000" b="1" i="0" u="none" strike="noStrike" cap="none" normalizeH="0" baseline="0" dirty="0">
+                <a:ln>
+                  <a:noFill/>
+                </a:ln>
+                <a:solidFill>
+                  <a:srgbClr val="008080"/>
+                </a:solidFill>
+                <a:effectLst/>
+                <a:latin typeface="Consolas" panose="020B0609020204030204" pitchFamily="49" charset="0"/>
+              </a:rPr>
+              <a:t>"</a:t>
+            </a:r>
+            <a:r>
+              <a:rPr kumimoji="0" lang="fr-FR" altLang="fr-FR" sz="1000" b="0" i="0" u="none" strike="noStrike" cap="none" normalizeH="0" baseline="0" dirty="0">
+                <a:ln>
+                  <a:noFill/>
+                </a:ln>
+                <a:solidFill>
+                  <a:srgbClr val="000000"/>
+                </a:solidFill>
+                <a:effectLst/>
+                <a:latin typeface="Consolas" panose="020B0609020204030204" pitchFamily="49" charset="0"/>
+              </a:rPr>
+              <a:t>, </a:t>
+            </a:r>
+            <a:r>
+              <a:rPr kumimoji="0" lang="fr-FR" altLang="fr-FR" sz="1000" b="1" i="0" u="none" strike="noStrike" cap="none" normalizeH="0" baseline="0" dirty="0">
+                <a:ln>
+                  <a:noFill/>
+                </a:ln>
+                <a:solidFill>
+                  <a:srgbClr val="000080"/>
+                </a:solidFill>
+                <a:effectLst/>
+                <a:latin typeface="Consolas" panose="020B0609020204030204" pitchFamily="49" charset="0"/>
+              </a:rPr>
+              <a:t>None</a:t>
+            </a:r>
+            <a:r>
+              <a:rPr kumimoji="0" lang="fr-FR" altLang="fr-FR" sz="1000" b="0" i="0" u="none" strike="noStrike" cap="none" normalizeH="0" baseline="0" dirty="0">
+                <a:ln>
+                  <a:noFill/>
+                </a:ln>
+                <a:solidFill>
+                  <a:srgbClr val="000000"/>
+                </a:solidFill>
+                <a:effectLst/>
+                <a:latin typeface="Consolas" panose="020B0609020204030204" pitchFamily="49" charset="0"/>
+              </a:rPr>
+              <a:t>, </a:t>
+            </a:r>
+            <a:r>
+              <a:rPr kumimoji="0" lang="fr-FR" altLang="fr-FR" sz="1000" b="0" i="0" u="none" strike="noStrike" cap="none" normalizeH="0" baseline="0" dirty="0" err="1">
+                <a:ln>
+                  <a:noFill/>
+                </a:ln>
+                <a:solidFill>
+                  <a:srgbClr val="000000"/>
+                </a:solidFill>
+                <a:effectLst/>
+                <a:latin typeface="Consolas" panose="020B0609020204030204" pitchFamily="49" charset="0"/>
+              </a:rPr>
+              <a:t>activationFn</a:t>
+            </a:r>
+            <a:r>
+              <a:rPr kumimoji="0" lang="fr-FR" altLang="fr-FR" sz="1000" b="0" i="0" u="none" strike="noStrike" cap="none" normalizeH="0" baseline="0" dirty="0">
+                <a:ln>
+                  <a:noFill/>
+                </a:ln>
+                <a:solidFill>
+                  <a:srgbClr val="000000"/>
+                </a:solidFill>
+                <a:effectLst/>
+                <a:latin typeface="Consolas" panose="020B0609020204030204" pitchFamily="49" charset="0"/>
+              </a:rPr>
+              <a:t>)</a:t>
+            </a:r>
+            <a:br>
+              <a:rPr kumimoji="0" lang="fr-FR" altLang="fr-FR" sz="1000" b="0" i="0" u="none" strike="noStrike" cap="none" normalizeH="0" baseline="0" dirty="0">
+                <a:ln>
+                  <a:noFill/>
+                </a:ln>
+                <a:solidFill>
+                  <a:srgbClr val="000000"/>
+                </a:solidFill>
+                <a:effectLst/>
+                <a:latin typeface="Consolas" panose="020B0609020204030204" pitchFamily="49" charset="0"/>
+              </a:rPr>
+            </a:br>
+            <a:r>
+              <a:rPr kumimoji="0" lang="fr-FR" altLang="fr-FR" sz="1000" b="0" i="0" u="none" strike="noStrike" cap="none" normalizeH="0" baseline="0" dirty="0">
+                <a:ln>
+                  <a:noFill/>
+                </a:ln>
+                <a:solidFill>
+                  <a:srgbClr val="000000"/>
+                </a:solidFill>
+                <a:effectLst/>
+                <a:latin typeface="Consolas" panose="020B0609020204030204" pitchFamily="49" charset="0"/>
+              </a:rPr>
+              <a:t>            </a:t>
+            </a:r>
+            <a:r>
+              <a:rPr kumimoji="0" lang="fr-FR" altLang="fr-FR" sz="1000" b="0" i="0" u="none" strike="noStrike" cap="none" normalizeH="0" baseline="0" dirty="0" err="1">
+                <a:ln>
+                  <a:noFill/>
+                </a:ln>
+                <a:solidFill>
+                  <a:srgbClr val="94558D"/>
+                </a:solidFill>
+                <a:effectLst/>
+                <a:latin typeface="Consolas" panose="020B0609020204030204" pitchFamily="49" charset="0"/>
+              </a:rPr>
+              <a:t>self</a:t>
+            </a:r>
+            <a:r>
+              <a:rPr kumimoji="0" lang="fr-FR" altLang="fr-FR" sz="1000" b="0" i="0" u="none" strike="noStrike" cap="none" normalizeH="0" baseline="0" dirty="0" err="1">
+                <a:ln>
+                  <a:noFill/>
+                </a:ln>
+                <a:solidFill>
+                  <a:srgbClr val="000000"/>
+                </a:solidFill>
+                <a:effectLst/>
+                <a:latin typeface="Consolas" panose="020B0609020204030204" pitchFamily="49" charset="0"/>
+              </a:rPr>
+              <a:t>.perceptrons.append</a:t>
+            </a:r>
+            <a:r>
+              <a:rPr kumimoji="0" lang="fr-FR" altLang="fr-FR" sz="1000" b="0" i="0" u="none" strike="noStrike" cap="none" normalizeH="0" baseline="0" dirty="0">
+                <a:ln>
+                  <a:noFill/>
+                </a:ln>
+                <a:solidFill>
+                  <a:srgbClr val="000000"/>
+                </a:solidFill>
+                <a:effectLst/>
+                <a:latin typeface="Consolas" panose="020B0609020204030204" pitchFamily="49" charset="0"/>
+              </a:rPr>
+              <a:t>(p)</a:t>
+            </a:r>
+            <a:endParaRPr kumimoji="0" lang="fr-FR" altLang="fr-FR" sz="1800" b="0" i="0" u="none" strike="noStrike" cap="none" normalizeH="0" baseline="0" dirty="0">
+              <a:ln>
+                <a:noFill/>
+              </a:ln>
+              <a:solidFill>
+                <a:schemeClr val="tx1"/>
+              </a:solidFill>
+              <a:effectLst/>
+              <a:latin typeface="Arial" panose="020B0604020202020204" pitchFamily="34" charset="0"/>
+            </a:endParaRPr>
+          </a:p>
+        </p:txBody>
+      </p:sp>
+    </p:spTree>
+    <p:extLst>
+      <p:ext uri="{BB962C8B-B14F-4D97-AF65-F5344CB8AC3E}">
+        <p14:creationId xmlns:p14="http://schemas.microsoft.com/office/powerpoint/2010/main" val="654712396"/>
+      </p:ext>
+    </p:extLst>
+  </p:cSld>
+  <p:clrMapOvr>
+    <a:masterClrMapping/>
+  </p:clrMapOvr>
+</p:sld>
+</file>
+
 <file path=ppt/slides/slide12.xml><?xml version="1.0" encoding="utf-8"?>
 <p:sld xmlns:a="http://schemas.openxmlformats.org/drawingml/2006/main" xmlns:r="http://schemas.openxmlformats.org/officeDocument/2006/relationships" xmlns:p="http://schemas.openxmlformats.org/presentationml/2006/main">
   <p:cSld>
@@ -4190,10 +5101,9 @@
           <a:lstStyle/>
           <a:p>
             <a:r>
-              <a:rPr lang="fr-FR" dirty="0" err="1"/>
-              <a:t>Layers</a:t>
-            </a:r>
-            <a:endParaRPr lang="fr-FR" dirty="0"/>
+              <a:rPr lang="fr-FR" dirty="0"/>
+              <a:t>MLP</a:t>
+            </a:r>
           </a:p>
         </p:txBody>
       </p:sp>
@@ -4207,951 +5117,123 @@
             <p:ph idx="1"/>
           </p:nvPr>
         </p:nvSpPr>
-        <p:spPr>
-          <a:xfrm>
-            <a:off x="105621" y="1412776"/>
-            <a:ext cx="8766051" cy="5040560"/>
-          </a:xfrm>
-        </p:spPr>
+        <p:spPr/>
         <p:txBody>
           <a:bodyPr/>
           <a:lstStyle/>
           <a:p>
             <a:r>
               <a:rPr lang="fr-FR" dirty="0"/>
-              <a:t>Les perceptrons peuvent être mis en couche</a:t>
-            </a:r>
-          </a:p>
-          <a:p>
-            <a:endParaRPr lang="fr-FR" dirty="0"/>
+              <a:t>Multi Layer Perceptron</a:t>
+            </a:r>
+          </a:p>
+          <a:p>
+            <a:pPr lvl="1"/>
+            <a:r>
+              <a:rPr lang="fr-FR" dirty="0"/>
+              <a:t>Les perceptrons sont mis dans un graphe acyclique</a:t>
+            </a:r>
           </a:p>
         </p:txBody>
       </p:sp>
-      <p:sp>
-        <p:nvSpPr>
-          <p:cNvPr id="5" name="Rectangle 2"/>
-          <p:cNvSpPr>
-            <a:spLocks noChangeArrowheads="1"/>
-          </p:cNvSpPr>
+      <p:pic>
+        <p:nvPicPr>
+          <p:cNvPr id="4" name="Picture 12" descr="Résultat de recherche d'images pour &quot;mlp inference&quot;"/>
+          <p:cNvPicPr>
+            <a:picLocks noChangeAspect="1" noChangeArrowheads="1"/>
+          </p:cNvPicPr>
           <p:nvPr/>
-        </p:nvSpPr>
+        </p:nvPicPr>
+        <p:blipFill>
+          <a:blip r:embed="rId3" cstate="print">
+            <a:extLst>
+              <a:ext uri="{28A0092B-C50C-407E-A947-70E740481C1C}">
+                <a14:useLocalDpi xmlns:a14="http://schemas.microsoft.com/office/drawing/2010/main" val="0"/>
+              </a:ext>
+            </a:extLst>
+          </a:blip>
+          <a:srcRect/>
+          <a:stretch>
+            <a:fillRect/>
+          </a:stretch>
+        </p:blipFill>
         <p:spPr bwMode="auto">
           <a:xfrm>
-            <a:off x="1621555" y="2852936"/>
-            <a:ext cx="5830765" cy="1323439"/>
+            <a:off x="2051720" y="2852936"/>
+            <a:ext cx="4804506" cy="3164895"/>
           </a:xfrm>
           <a:prstGeom prst="rect">
             <a:avLst/>
           </a:prstGeom>
-          <a:solidFill>
-            <a:srgbClr val="FFFFFF"/>
-          </a:solidFill>
-          <a:ln>
-            <a:noFill/>
-          </a:ln>
-          <a:effectLst/>
+          <a:noFill/>
           <a:extLst>
-            <a:ext uri="{91240B29-F687-4F45-9708-019B960494DF}">
-              <a14:hiddenLine xmlns:a14="http://schemas.microsoft.com/office/drawing/2010/main" w="9525">
-                <a:solidFill>
-                  <a:schemeClr val="tx1"/>
-                </a:solidFill>
-                <a:miter lim="800000"/>
-                <a:headEnd/>
-                <a:tailEnd/>
-              </a14:hiddenLine>
-            </a:ext>
-            <a:ext uri="{AF507438-7753-43E0-B8FC-AC1667EBCBE1}">
-              <a14:hiddenEffects xmlns:a14="http://schemas.microsoft.com/office/drawing/2010/main">
-                <a:effectLst>
-                  <a:outerShdw dist="35921" dir="2700000" algn="ctr" rotWithShape="0">
-                    <a:schemeClr val="bg2"/>
-                  </a:outerShdw>
-                </a:effectLst>
-              </a14:hiddenEffects>
+            <a:ext uri="{909E8E84-426E-40DD-AFC4-6F175D3DCCD1}">
+              <a14:hiddenFill xmlns:a14="http://schemas.microsoft.com/office/drawing/2010/main">
+                <a:solidFill>
+                  <a:srgbClr val="FFFFFF"/>
+                </a:solidFill>
+              </a14:hiddenFill>
             </a:ext>
           </a:extLst>
         </p:spPr>
+      </p:pic>
+      <p:sp>
+        <p:nvSpPr>
+          <p:cNvPr id="5" name="ZoneTexte 4">
+            <a:extLst>
+              <a:ext uri="{FF2B5EF4-FFF2-40B4-BE49-F238E27FC236}">
+                <a16:creationId xmlns:a16="http://schemas.microsoft.com/office/drawing/2014/main" id="{A993503B-2ED5-4061-88B8-420B4BF6AFFF}"/>
+              </a:ext>
+            </a:extLst>
+          </p:cNvPr>
+          <p:cNvSpPr txBox="1"/>
+          <p:nvPr/>
+        </p:nvSpPr>
+        <p:spPr>
+          <a:xfrm>
+            <a:off x="1043608" y="3356992"/>
+            <a:ext cx="869149" cy="1938992"/>
+          </a:xfrm>
+          <a:prstGeom prst="rect">
+            <a:avLst/>
+          </a:prstGeom>
+          <a:noFill/>
+        </p:spPr>
         <p:txBody>
-          <a:bodyPr vert="horz" wrap="square" lIns="91440" tIns="45720" rIns="91440" bIns="45720" numCol="1" anchor="ctr" anchorCtr="0" compatLnSpc="1">
-            <a:prstTxWarp prst="textNoShape">
-              <a:avLst/>
-            </a:prstTxWarp>
+          <a:bodyPr wrap="none" rtlCol="0">
             <a:spAutoFit/>
           </a:bodyPr>
           <a:lstStyle/>
           <a:p>
-            <a:pPr marL="0" marR="0" lvl="0" indent="0" algn="l" defTabSz="914400" rtl="0" eaLnBrk="0" fontAlgn="base" latinLnBrk="0" hangingPunct="0">
-              <a:lnSpc>
-                <a:spcPct val="100000"/>
-              </a:lnSpc>
-              <a:spcBef>
-                <a:spcPct val="0"/>
-              </a:spcBef>
-              <a:spcAft>
-                <a:spcPct val="0"/>
-              </a:spcAft>
-              <a:buClrTx/>
-              <a:buSzTx/>
-              <a:buFontTx/>
-              <a:buNone/>
-              <a:tabLst/>
-            </a:pPr>
-            <a:r>
-              <a:rPr kumimoji="0" lang="fr-FR" altLang="fr-FR" sz="1000" b="1" i="0" u="none" strike="noStrike" cap="none" normalizeH="0" baseline="0" dirty="0">
-                <a:ln>
-                  <a:noFill/>
-                </a:ln>
-                <a:solidFill>
-                  <a:srgbClr val="000080"/>
-                </a:solidFill>
-                <a:effectLst/>
-                <a:latin typeface="Consolas" panose="020B0609020204030204" pitchFamily="49" charset="0"/>
-              </a:rPr>
-              <a:t>class </a:t>
-            </a:r>
-            <a:r>
-              <a:rPr kumimoji="0" lang="fr-FR" altLang="fr-FR" sz="1000" b="0" i="0" u="none" strike="noStrike" cap="none" normalizeH="0" baseline="0" dirty="0">
-                <a:ln>
-                  <a:noFill/>
-                </a:ln>
-                <a:solidFill>
-                  <a:srgbClr val="000000"/>
-                </a:solidFill>
-                <a:effectLst/>
-                <a:latin typeface="Consolas" panose="020B0609020204030204" pitchFamily="49" charset="0"/>
-              </a:rPr>
-              <a:t>Layer:</a:t>
-            </a:r>
-            <a:br>
-              <a:rPr kumimoji="0" lang="fr-FR" altLang="fr-FR" sz="1000" b="0" i="0" u="none" strike="noStrike" cap="none" normalizeH="0" baseline="0" dirty="0">
-                <a:ln>
-                  <a:noFill/>
-                </a:ln>
-                <a:solidFill>
-                  <a:srgbClr val="000000"/>
-                </a:solidFill>
-                <a:effectLst/>
-                <a:latin typeface="Consolas" panose="020B0609020204030204" pitchFamily="49" charset="0"/>
-              </a:rPr>
-            </a:br>
-            <a:br>
-              <a:rPr kumimoji="0" lang="fr-FR" altLang="fr-FR" sz="1000" b="0" i="0" u="none" strike="noStrike" cap="none" normalizeH="0" baseline="0" dirty="0">
-                <a:ln>
-                  <a:noFill/>
-                </a:ln>
-                <a:solidFill>
-                  <a:srgbClr val="000000"/>
-                </a:solidFill>
-                <a:effectLst/>
-                <a:latin typeface="Consolas" panose="020B0609020204030204" pitchFamily="49" charset="0"/>
-              </a:rPr>
-            </a:br>
-            <a:r>
-              <a:rPr kumimoji="0" lang="fr-FR" altLang="fr-FR" sz="1000" b="0" i="0" u="none" strike="noStrike" cap="none" normalizeH="0" baseline="0" dirty="0">
-                <a:ln>
-                  <a:noFill/>
-                </a:ln>
-                <a:solidFill>
-                  <a:srgbClr val="000000"/>
-                </a:solidFill>
-                <a:effectLst/>
-                <a:latin typeface="Consolas" panose="020B0609020204030204" pitchFamily="49" charset="0"/>
-              </a:rPr>
-              <a:t>    </a:t>
-            </a:r>
-            <a:r>
-              <a:rPr kumimoji="0" lang="fr-FR" altLang="fr-FR" sz="1000" b="1" i="0" u="none" strike="noStrike" cap="none" normalizeH="0" baseline="0" dirty="0" err="1">
-                <a:ln>
-                  <a:noFill/>
-                </a:ln>
-                <a:solidFill>
-                  <a:srgbClr val="000080"/>
-                </a:solidFill>
-                <a:effectLst/>
-                <a:latin typeface="Consolas" panose="020B0609020204030204" pitchFamily="49" charset="0"/>
-              </a:rPr>
-              <a:t>def</a:t>
-            </a:r>
-            <a:r>
-              <a:rPr kumimoji="0" lang="fr-FR" altLang="fr-FR" sz="1000" b="1" i="0" u="none" strike="noStrike" cap="none" normalizeH="0" baseline="0" dirty="0">
-                <a:ln>
-                  <a:noFill/>
-                </a:ln>
-                <a:solidFill>
-                  <a:srgbClr val="000080"/>
-                </a:solidFill>
-                <a:effectLst/>
-                <a:latin typeface="Consolas" panose="020B0609020204030204" pitchFamily="49" charset="0"/>
-              </a:rPr>
-              <a:t> </a:t>
-            </a:r>
-            <a:r>
-              <a:rPr kumimoji="0" lang="fr-FR" altLang="fr-FR" sz="1000" b="0" i="0" u="none" strike="noStrike" cap="none" normalizeH="0" baseline="0" dirty="0">
-                <a:ln>
-                  <a:noFill/>
-                </a:ln>
-                <a:solidFill>
-                  <a:srgbClr val="B200B2"/>
-                </a:solidFill>
-                <a:effectLst/>
-                <a:latin typeface="Consolas" panose="020B0609020204030204" pitchFamily="49" charset="0"/>
-              </a:rPr>
-              <a:t>__</a:t>
-            </a:r>
-            <a:r>
-              <a:rPr kumimoji="0" lang="fr-FR" altLang="fr-FR" sz="1000" b="0" i="0" u="none" strike="noStrike" cap="none" normalizeH="0" baseline="0" dirty="0" err="1">
-                <a:ln>
-                  <a:noFill/>
-                </a:ln>
-                <a:solidFill>
-                  <a:srgbClr val="B200B2"/>
-                </a:solidFill>
-                <a:effectLst/>
-                <a:latin typeface="Consolas" panose="020B0609020204030204" pitchFamily="49" charset="0"/>
-              </a:rPr>
-              <a:t>init</a:t>
-            </a:r>
-            <a:r>
-              <a:rPr kumimoji="0" lang="fr-FR" altLang="fr-FR" sz="1000" b="0" i="0" u="none" strike="noStrike" cap="none" normalizeH="0" baseline="0" dirty="0">
-                <a:ln>
-                  <a:noFill/>
-                </a:ln>
-                <a:solidFill>
-                  <a:srgbClr val="B200B2"/>
-                </a:solidFill>
-                <a:effectLst/>
-                <a:latin typeface="Consolas" panose="020B0609020204030204" pitchFamily="49" charset="0"/>
-              </a:rPr>
-              <a:t>__</a:t>
-            </a:r>
-            <a:r>
-              <a:rPr kumimoji="0" lang="fr-FR" altLang="fr-FR" sz="1000" b="0" i="0" u="none" strike="noStrike" cap="none" normalizeH="0" baseline="0" dirty="0">
-                <a:ln>
-                  <a:noFill/>
-                </a:ln>
-                <a:solidFill>
-                  <a:srgbClr val="000000"/>
-                </a:solidFill>
-                <a:effectLst/>
-                <a:latin typeface="Consolas" panose="020B0609020204030204" pitchFamily="49" charset="0"/>
-              </a:rPr>
-              <a:t>(</a:t>
-            </a:r>
-            <a:r>
-              <a:rPr kumimoji="0" lang="fr-FR" altLang="fr-FR" sz="1000" b="0" i="0" u="none" strike="noStrike" cap="none" normalizeH="0" baseline="0" dirty="0">
-                <a:ln>
-                  <a:noFill/>
-                </a:ln>
-                <a:solidFill>
-                  <a:srgbClr val="94558D"/>
-                </a:solidFill>
-                <a:effectLst/>
-                <a:latin typeface="Consolas" panose="020B0609020204030204" pitchFamily="49" charset="0"/>
-              </a:rPr>
-              <a:t>self</a:t>
-            </a:r>
-            <a:r>
-              <a:rPr kumimoji="0" lang="fr-FR" altLang="fr-FR" sz="1000" b="0" i="0" u="none" strike="noStrike" cap="none" normalizeH="0" baseline="0" dirty="0">
-                <a:ln>
-                  <a:noFill/>
-                </a:ln>
-                <a:solidFill>
-                  <a:srgbClr val="000000"/>
-                </a:solidFill>
-                <a:effectLst/>
-                <a:latin typeface="Consolas" panose="020B0609020204030204" pitchFamily="49" charset="0"/>
-              </a:rPr>
-              <a:t>, </a:t>
-            </a:r>
-            <a:r>
-              <a:rPr kumimoji="0" lang="fr-FR" altLang="fr-FR" sz="1000" b="0" i="0" u="none" strike="noStrike" cap="none" normalizeH="0" baseline="0" dirty="0" err="1">
-                <a:ln>
-                  <a:noFill/>
-                </a:ln>
-                <a:solidFill>
-                  <a:srgbClr val="000000"/>
-                </a:solidFill>
-                <a:effectLst/>
-                <a:latin typeface="Consolas" panose="020B0609020204030204" pitchFamily="49" charset="0"/>
-              </a:rPr>
-              <a:t>id:</a:t>
-            </a:r>
-            <a:r>
-              <a:rPr kumimoji="0" lang="fr-FR" altLang="fr-FR" sz="1000" b="0" i="0" u="none" strike="noStrike" cap="none" normalizeH="0" baseline="0" dirty="0" err="1">
-                <a:ln>
-                  <a:noFill/>
-                </a:ln>
-                <a:solidFill>
-                  <a:srgbClr val="000080"/>
-                </a:solidFill>
-                <a:effectLst/>
-                <a:latin typeface="Consolas" panose="020B0609020204030204" pitchFamily="49" charset="0"/>
-              </a:rPr>
-              <a:t>str</a:t>
-            </a:r>
-            <a:r>
-              <a:rPr kumimoji="0" lang="fr-FR" altLang="fr-FR" sz="1000" b="0" i="0" u="none" strike="noStrike" cap="none" normalizeH="0" baseline="0" dirty="0">
-                <a:ln>
-                  <a:noFill/>
-                </a:ln>
-                <a:solidFill>
-                  <a:srgbClr val="000000"/>
-                </a:solidFill>
-                <a:effectLst/>
-                <a:latin typeface="Consolas" panose="020B0609020204030204" pitchFamily="49" charset="0"/>
-              </a:rPr>
-              <a:t>, </a:t>
-            </a:r>
-            <a:r>
-              <a:rPr kumimoji="0" lang="fr-FR" altLang="fr-FR" sz="1000" b="0" i="0" u="none" strike="noStrike" cap="none" normalizeH="0" baseline="0" dirty="0" err="1">
-                <a:ln>
-                  <a:noFill/>
-                </a:ln>
-                <a:solidFill>
-                  <a:srgbClr val="000000"/>
-                </a:solidFill>
-                <a:effectLst/>
-                <a:latin typeface="Consolas" panose="020B0609020204030204" pitchFamily="49" charset="0"/>
-              </a:rPr>
-              <a:t>nbPerceptron:</a:t>
-            </a:r>
-            <a:r>
-              <a:rPr kumimoji="0" lang="fr-FR" altLang="fr-FR" sz="1000" b="0" i="0" u="none" strike="noStrike" cap="none" normalizeH="0" baseline="0" dirty="0" err="1">
-                <a:ln>
-                  <a:noFill/>
-                </a:ln>
-                <a:solidFill>
-                  <a:srgbClr val="000080"/>
-                </a:solidFill>
-                <a:effectLst/>
-                <a:latin typeface="Consolas" panose="020B0609020204030204" pitchFamily="49" charset="0"/>
-              </a:rPr>
-              <a:t>int</a:t>
-            </a:r>
-            <a:r>
-              <a:rPr kumimoji="0" lang="fr-FR" altLang="fr-FR" sz="1000" b="0" i="0" u="none" strike="noStrike" cap="none" normalizeH="0" baseline="0" dirty="0">
-                <a:ln>
-                  <a:noFill/>
-                </a:ln>
-                <a:solidFill>
-                  <a:srgbClr val="000080"/>
-                </a:solidFill>
-                <a:effectLst/>
-                <a:latin typeface="Consolas" panose="020B0609020204030204" pitchFamily="49" charset="0"/>
-              </a:rPr>
-              <a:t> </a:t>
-            </a:r>
-            <a:r>
-              <a:rPr kumimoji="0" lang="fr-FR" altLang="fr-FR" sz="1000" b="0" i="0" u="none" strike="noStrike" cap="none" normalizeH="0" baseline="0" dirty="0">
-                <a:ln>
-                  <a:noFill/>
-                </a:ln>
-                <a:solidFill>
-                  <a:srgbClr val="000000"/>
-                </a:solidFill>
-                <a:effectLst/>
-                <a:latin typeface="Consolas" panose="020B0609020204030204" pitchFamily="49" charset="0"/>
-              </a:rPr>
-              <a:t>= </a:t>
-            </a:r>
-            <a:r>
-              <a:rPr kumimoji="0" lang="fr-FR" altLang="fr-FR" sz="1000" b="0" i="0" u="none" strike="noStrike" cap="none" normalizeH="0" baseline="0" dirty="0">
-                <a:ln>
-                  <a:noFill/>
-                </a:ln>
-                <a:solidFill>
-                  <a:srgbClr val="0000FF"/>
-                </a:solidFill>
-                <a:effectLst/>
-                <a:latin typeface="Consolas" panose="020B0609020204030204" pitchFamily="49" charset="0"/>
-              </a:rPr>
-              <a:t>0</a:t>
-            </a:r>
-            <a:r>
-              <a:rPr kumimoji="0" lang="fr-FR" altLang="fr-FR" sz="1000" b="0" i="0" u="none" strike="noStrike" cap="none" normalizeH="0" baseline="0" dirty="0">
-                <a:ln>
-                  <a:noFill/>
-                </a:ln>
-                <a:solidFill>
-                  <a:srgbClr val="000000"/>
-                </a:solidFill>
-                <a:effectLst/>
-                <a:latin typeface="Consolas" panose="020B0609020204030204" pitchFamily="49" charset="0"/>
-              </a:rPr>
-              <a:t>, </a:t>
-            </a:r>
-            <a:r>
-              <a:rPr kumimoji="0" lang="fr-FR" altLang="fr-FR" sz="1000" b="0" i="0" u="none" strike="noStrike" cap="none" normalizeH="0" baseline="0" dirty="0" err="1">
-                <a:ln>
-                  <a:noFill/>
-                </a:ln>
-                <a:solidFill>
-                  <a:srgbClr val="000000"/>
-                </a:solidFill>
-                <a:effectLst/>
-                <a:latin typeface="Consolas" panose="020B0609020204030204" pitchFamily="49" charset="0"/>
-              </a:rPr>
-              <a:t>activationFn</a:t>
-            </a:r>
-            <a:r>
-              <a:rPr kumimoji="0" lang="fr-FR" altLang="fr-FR" sz="1000" b="0" i="0" u="none" strike="noStrike" cap="none" normalizeH="0" baseline="0" dirty="0">
-                <a:ln>
-                  <a:noFill/>
-                </a:ln>
-                <a:solidFill>
-                  <a:srgbClr val="000000"/>
-                </a:solidFill>
-                <a:effectLst/>
-                <a:latin typeface="Consolas" panose="020B0609020204030204" pitchFamily="49" charset="0"/>
-              </a:rPr>
-              <a:t> = </a:t>
-            </a:r>
-            <a:r>
-              <a:rPr kumimoji="0" lang="fr-FR" altLang="fr-FR" sz="1000" b="0" i="0" u="none" strike="noStrike" cap="none" normalizeH="0" baseline="0" dirty="0" err="1">
-                <a:ln>
-                  <a:noFill/>
-                </a:ln>
-                <a:solidFill>
-                  <a:srgbClr val="000000"/>
-                </a:solidFill>
-                <a:effectLst/>
-                <a:latin typeface="Consolas" panose="020B0609020204030204" pitchFamily="49" charset="0"/>
-              </a:rPr>
-              <a:t>reluFn</a:t>
-            </a:r>
-            <a:r>
-              <a:rPr kumimoji="0" lang="fr-FR" altLang="fr-FR" sz="1000" b="0" i="0" u="none" strike="noStrike" cap="none" normalizeH="0" baseline="0" dirty="0">
-                <a:ln>
-                  <a:noFill/>
-                </a:ln>
-                <a:solidFill>
-                  <a:srgbClr val="000000"/>
-                </a:solidFill>
-                <a:effectLst/>
-                <a:latin typeface="Consolas" panose="020B0609020204030204" pitchFamily="49" charset="0"/>
-              </a:rPr>
-              <a:t>):</a:t>
-            </a:r>
-            <a:br>
-              <a:rPr kumimoji="0" lang="fr-FR" altLang="fr-FR" sz="1000" b="0" i="0" u="none" strike="noStrike" cap="none" normalizeH="0" baseline="0" dirty="0">
-                <a:ln>
-                  <a:noFill/>
-                </a:ln>
-                <a:solidFill>
-                  <a:srgbClr val="000000"/>
-                </a:solidFill>
-                <a:effectLst/>
-                <a:latin typeface="Consolas" panose="020B0609020204030204" pitchFamily="49" charset="0"/>
-              </a:rPr>
-            </a:br>
-            <a:r>
-              <a:rPr kumimoji="0" lang="fr-FR" altLang="fr-FR" sz="1000" b="0" i="0" u="none" strike="noStrike" cap="none" normalizeH="0" baseline="0" dirty="0">
-                <a:ln>
-                  <a:noFill/>
-                </a:ln>
-                <a:solidFill>
-                  <a:srgbClr val="000000"/>
-                </a:solidFill>
-                <a:effectLst/>
-                <a:latin typeface="Consolas" panose="020B0609020204030204" pitchFamily="49" charset="0"/>
-              </a:rPr>
-              <a:t>        </a:t>
-            </a:r>
-            <a:r>
-              <a:rPr kumimoji="0" lang="fr-FR" altLang="fr-FR" sz="1000" b="0" i="0" u="none" strike="noStrike" cap="none" normalizeH="0" baseline="0" dirty="0">
-                <a:ln>
-                  <a:noFill/>
-                </a:ln>
-                <a:solidFill>
-                  <a:srgbClr val="94558D"/>
-                </a:solidFill>
-                <a:effectLst/>
-                <a:latin typeface="Consolas" panose="020B0609020204030204" pitchFamily="49" charset="0"/>
-              </a:rPr>
-              <a:t>self</a:t>
-            </a:r>
-            <a:r>
-              <a:rPr kumimoji="0" lang="fr-FR" altLang="fr-FR" sz="1000" b="0" i="0" u="none" strike="noStrike" cap="none" normalizeH="0" baseline="0" dirty="0">
-                <a:ln>
-                  <a:noFill/>
-                </a:ln>
-                <a:solidFill>
-                  <a:srgbClr val="000000"/>
-                </a:solidFill>
-                <a:effectLst/>
-                <a:latin typeface="Consolas" panose="020B0609020204030204" pitchFamily="49" charset="0"/>
-              </a:rPr>
-              <a:t>.id = id</a:t>
-            </a:r>
-            <a:br>
-              <a:rPr kumimoji="0" lang="fr-FR" altLang="fr-FR" sz="1000" b="0" i="0" u="none" strike="noStrike" cap="none" normalizeH="0" baseline="0" dirty="0">
-                <a:ln>
-                  <a:noFill/>
-                </a:ln>
-                <a:solidFill>
-                  <a:srgbClr val="000000"/>
-                </a:solidFill>
-                <a:effectLst/>
-                <a:latin typeface="Consolas" panose="020B0609020204030204" pitchFamily="49" charset="0"/>
-              </a:rPr>
-            </a:br>
-            <a:r>
-              <a:rPr kumimoji="0" lang="fr-FR" altLang="fr-FR" sz="1000" b="0" i="0" u="none" strike="noStrike" cap="none" normalizeH="0" baseline="0" dirty="0">
-                <a:ln>
-                  <a:noFill/>
-                </a:ln>
-                <a:solidFill>
-                  <a:srgbClr val="000000"/>
-                </a:solidFill>
-                <a:effectLst/>
-                <a:latin typeface="Consolas" panose="020B0609020204030204" pitchFamily="49" charset="0"/>
-              </a:rPr>
-              <a:t>        </a:t>
-            </a:r>
-            <a:r>
-              <a:rPr kumimoji="0" lang="fr-FR" altLang="fr-FR" sz="1000" b="0" i="0" u="none" strike="noStrike" cap="none" normalizeH="0" baseline="0" dirty="0" err="1">
-                <a:ln>
-                  <a:noFill/>
-                </a:ln>
-                <a:solidFill>
-                  <a:srgbClr val="94558D"/>
-                </a:solidFill>
-                <a:effectLst/>
-                <a:latin typeface="Consolas" panose="020B0609020204030204" pitchFamily="49" charset="0"/>
-              </a:rPr>
-              <a:t>self</a:t>
-            </a:r>
-            <a:r>
-              <a:rPr kumimoji="0" lang="fr-FR" altLang="fr-FR" sz="1000" b="0" i="0" u="none" strike="noStrike" cap="none" normalizeH="0" baseline="0" dirty="0" err="1">
-                <a:ln>
-                  <a:noFill/>
-                </a:ln>
-                <a:solidFill>
-                  <a:srgbClr val="000000"/>
-                </a:solidFill>
-                <a:effectLst/>
-                <a:latin typeface="Consolas" panose="020B0609020204030204" pitchFamily="49" charset="0"/>
-              </a:rPr>
-              <a:t>.perceptrons</a:t>
-            </a:r>
-            <a:r>
-              <a:rPr kumimoji="0" lang="fr-FR" altLang="fr-FR" sz="1000" b="0" i="0" u="none" strike="noStrike" cap="none" normalizeH="0" baseline="0" dirty="0">
-                <a:ln>
-                  <a:noFill/>
-                </a:ln>
-                <a:solidFill>
-                  <a:srgbClr val="000000"/>
-                </a:solidFill>
-                <a:effectLst/>
-                <a:latin typeface="Consolas" panose="020B0609020204030204" pitchFamily="49" charset="0"/>
-              </a:rPr>
-              <a:t>: List[Perceptron] = []</a:t>
-            </a:r>
-            <a:br>
-              <a:rPr kumimoji="0" lang="fr-FR" altLang="fr-FR" sz="1000" b="0" i="0" u="none" strike="noStrike" cap="none" normalizeH="0" baseline="0" dirty="0">
-                <a:ln>
-                  <a:noFill/>
-                </a:ln>
-                <a:solidFill>
-                  <a:srgbClr val="000000"/>
-                </a:solidFill>
-                <a:effectLst/>
-                <a:latin typeface="Consolas" panose="020B0609020204030204" pitchFamily="49" charset="0"/>
-              </a:rPr>
-            </a:br>
-            <a:r>
-              <a:rPr kumimoji="0" lang="fr-FR" altLang="fr-FR" sz="1000" b="0" i="0" u="none" strike="noStrike" cap="none" normalizeH="0" baseline="0" dirty="0">
-                <a:ln>
-                  <a:noFill/>
-                </a:ln>
-                <a:solidFill>
-                  <a:srgbClr val="000000"/>
-                </a:solidFill>
-                <a:effectLst/>
-                <a:latin typeface="Consolas" panose="020B0609020204030204" pitchFamily="49" charset="0"/>
-              </a:rPr>
-              <a:t>        </a:t>
-            </a:r>
-            <a:r>
-              <a:rPr kumimoji="0" lang="fr-FR" altLang="fr-FR" sz="1000" b="1" i="0" u="none" strike="noStrike" cap="none" normalizeH="0" baseline="0" dirty="0">
-                <a:ln>
-                  <a:noFill/>
-                </a:ln>
-                <a:solidFill>
-                  <a:srgbClr val="000080"/>
-                </a:solidFill>
-                <a:effectLst/>
-                <a:latin typeface="Consolas" panose="020B0609020204030204" pitchFamily="49" charset="0"/>
-              </a:rPr>
-              <a:t>for </a:t>
-            </a:r>
-            <a:r>
-              <a:rPr kumimoji="0" lang="fr-FR" altLang="fr-FR" sz="1000" b="0" i="0" u="none" strike="noStrike" cap="none" normalizeH="0" baseline="0" dirty="0">
-                <a:ln>
-                  <a:noFill/>
-                </a:ln>
-                <a:solidFill>
-                  <a:srgbClr val="000000"/>
-                </a:solidFill>
-                <a:effectLst/>
-                <a:latin typeface="Consolas" panose="020B0609020204030204" pitchFamily="49" charset="0"/>
-              </a:rPr>
-              <a:t>i </a:t>
-            </a:r>
-            <a:r>
-              <a:rPr kumimoji="0" lang="fr-FR" altLang="fr-FR" sz="1000" b="1" i="0" u="none" strike="noStrike" cap="none" normalizeH="0" baseline="0" dirty="0">
-                <a:ln>
-                  <a:noFill/>
-                </a:ln>
-                <a:solidFill>
-                  <a:srgbClr val="000080"/>
-                </a:solidFill>
-                <a:effectLst/>
-                <a:latin typeface="Consolas" panose="020B0609020204030204" pitchFamily="49" charset="0"/>
-              </a:rPr>
-              <a:t>in </a:t>
-            </a:r>
-            <a:r>
-              <a:rPr kumimoji="0" lang="fr-FR" altLang="fr-FR" sz="1000" b="0" i="0" u="none" strike="noStrike" cap="none" normalizeH="0" baseline="0" dirty="0">
-                <a:ln>
-                  <a:noFill/>
-                </a:ln>
-                <a:solidFill>
-                  <a:srgbClr val="000080"/>
-                </a:solidFill>
-                <a:effectLst/>
-                <a:latin typeface="Consolas" panose="020B0609020204030204" pitchFamily="49" charset="0"/>
-              </a:rPr>
-              <a:t>range</a:t>
-            </a:r>
-            <a:r>
-              <a:rPr kumimoji="0" lang="fr-FR" altLang="fr-FR" sz="1000" b="0" i="0" u="none" strike="noStrike" cap="none" normalizeH="0" baseline="0" dirty="0">
-                <a:ln>
-                  <a:noFill/>
-                </a:ln>
-                <a:solidFill>
-                  <a:srgbClr val="000000"/>
-                </a:solidFill>
-                <a:effectLst/>
-                <a:latin typeface="Consolas" panose="020B0609020204030204" pitchFamily="49" charset="0"/>
-              </a:rPr>
-              <a:t>(</a:t>
-            </a:r>
-            <a:r>
-              <a:rPr kumimoji="0" lang="fr-FR" altLang="fr-FR" sz="1000" b="0" i="0" u="none" strike="noStrike" cap="none" normalizeH="0" baseline="0" dirty="0" err="1">
-                <a:ln>
-                  <a:noFill/>
-                </a:ln>
-                <a:solidFill>
-                  <a:srgbClr val="000000"/>
-                </a:solidFill>
-                <a:effectLst/>
-                <a:latin typeface="Consolas" panose="020B0609020204030204" pitchFamily="49" charset="0"/>
-              </a:rPr>
-              <a:t>nbPerceptron</a:t>
-            </a:r>
-            <a:r>
-              <a:rPr kumimoji="0" lang="fr-FR" altLang="fr-FR" sz="1000" b="0" i="0" u="none" strike="noStrike" cap="none" normalizeH="0" baseline="0" dirty="0">
-                <a:ln>
-                  <a:noFill/>
-                </a:ln>
-                <a:solidFill>
-                  <a:srgbClr val="000000"/>
-                </a:solidFill>
-                <a:effectLst/>
-                <a:latin typeface="Consolas" panose="020B0609020204030204" pitchFamily="49" charset="0"/>
-              </a:rPr>
-              <a:t>):</a:t>
-            </a:r>
-            <a:br>
-              <a:rPr kumimoji="0" lang="fr-FR" altLang="fr-FR" sz="1000" b="0" i="0" u="none" strike="noStrike" cap="none" normalizeH="0" baseline="0" dirty="0">
-                <a:ln>
-                  <a:noFill/>
-                </a:ln>
-                <a:solidFill>
-                  <a:srgbClr val="000000"/>
-                </a:solidFill>
-                <a:effectLst/>
-                <a:latin typeface="Consolas" panose="020B0609020204030204" pitchFamily="49" charset="0"/>
-              </a:rPr>
-            </a:br>
-            <a:r>
-              <a:rPr kumimoji="0" lang="fr-FR" altLang="fr-FR" sz="1000" b="0" i="0" u="none" strike="noStrike" cap="none" normalizeH="0" baseline="0" dirty="0">
-                <a:ln>
-                  <a:noFill/>
-                </a:ln>
-                <a:solidFill>
-                  <a:srgbClr val="000000"/>
-                </a:solidFill>
-                <a:effectLst/>
-                <a:latin typeface="Consolas" panose="020B0609020204030204" pitchFamily="49" charset="0"/>
-              </a:rPr>
-              <a:t>            p = Perceptron(</a:t>
-            </a:r>
-            <a:r>
-              <a:rPr kumimoji="0" lang="fr-FR" altLang="fr-FR" sz="1000" b="1" i="0" u="none" strike="noStrike" cap="none" normalizeH="0" baseline="0" dirty="0">
-                <a:ln>
-                  <a:noFill/>
-                </a:ln>
-                <a:solidFill>
-                  <a:srgbClr val="008080"/>
-                </a:solidFill>
-                <a:effectLst/>
-                <a:latin typeface="Consolas" panose="020B0609020204030204" pitchFamily="49" charset="0"/>
-              </a:rPr>
-              <a:t>f"</a:t>
-            </a:r>
-            <a:r>
-              <a:rPr kumimoji="0" lang="fr-FR" altLang="fr-FR" sz="1000" b="1" i="0" u="none" strike="noStrike" cap="none" normalizeH="0" baseline="0" dirty="0">
-                <a:ln>
-                  <a:noFill/>
-                </a:ln>
-                <a:solidFill>
-                  <a:srgbClr val="000080"/>
-                </a:solidFill>
-                <a:effectLst/>
-                <a:latin typeface="Consolas" panose="020B0609020204030204" pitchFamily="49" charset="0"/>
-              </a:rPr>
-              <a:t>{</a:t>
-            </a:r>
-            <a:r>
-              <a:rPr kumimoji="0" lang="fr-FR" altLang="fr-FR" sz="1000" b="0" i="0" u="none" strike="noStrike" cap="none" normalizeH="0" baseline="0" dirty="0">
-                <a:ln>
-                  <a:noFill/>
-                </a:ln>
-                <a:solidFill>
-                  <a:srgbClr val="000000"/>
-                </a:solidFill>
-                <a:effectLst/>
-                <a:latin typeface="Consolas" panose="020B0609020204030204" pitchFamily="49" charset="0"/>
-              </a:rPr>
-              <a:t>id</a:t>
-            </a:r>
-            <a:r>
-              <a:rPr kumimoji="0" lang="fr-FR" altLang="fr-FR" sz="1000" b="1" i="0" u="none" strike="noStrike" cap="none" normalizeH="0" baseline="0" dirty="0">
-                <a:ln>
-                  <a:noFill/>
-                </a:ln>
-                <a:solidFill>
-                  <a:srgbClr val="000080"/>
-                </a:solidFill>
-                <a:effectLst/>
-                <a:latin typeface="Consolas" panose="020B0609020204030204" pitchFamily="49" charset="0"/>
-              </a:rPr>
-              <a:t>}</a:t>
-            </a:r>
-            <a:r>
-              <a:rPr kumimoji="0" lang="fr-FR" altLang="fr-FR" sz="1000" b="1" i="0" u="none" strike="noStrike" cap="none" normalizeH="0" baseline="0" dirty="0">
-                <a:ln>
-                  <a:noFill/>
-                </a:ln>
-                <a:solidFill>
-                  <a:srgbClr val="008080"/>
-                </a:solidFill>
-                <a:effectLst/>
-                <a:latin typeface="Consolas" panose="020B0609020204030204" pitchFamily="49" charset="0"/>
-              </a:rPr>
-              <a:t>-</a:t>
-            </a:r>
-            <a:r>
-              <a:rPr kumimoji="0" lang="fr-FR" altLang="fr-FR" sz="1000" b="1" i="0" u="none" strike="noStrike" cap="none" normalizeH="0" baseline="0" dirty="0">
-                <a:ln>
-                  <a:noFill/>
-                </a:ln>
-                <a:solidFill>
-                  <a:srgbClr val="000080"/>
-                </a:solidFill>
-                <a:effectLst/>
-                <a:latin typeface="Consolas" panose="020B0609020204030204" pitchFamily="49" charset="0"/>
-              </a:rPr>
-              <a:t>{</a:t>
-            </a:r>
-            <a:r>
-              <a:rPr kumimoji="0" lang="fr-FR" altLang="fr-FR" sz="1000" b="0" i="0" u="none" strike="noStrike" cap="none" normalizeH="0" baseline="0" dirty="0">
-                <a:ln>
-                  <a:noFill/>
-                </a:ln>
-                <a:solidFill>
-                  <a:srgbClr val="000000"/>
-                </a:solidFill>
-                <a:effectLst/>
-                <a:latin typeface="Consolas" panose="020B0609020204030204" pitchFamily="49" charset="0"/>
-              </a:rPr>
-              <a:t>i</a:t>
-            </a:r>
-            <a:r>
-              <a:rPr kumimoji="0" lang="fr-FR" altLang="fr-FR" sz="1000" b="1" i="0" u="none" strike="noStrike" cap="none" normalizeH="0" baseline="0" dirty="0">
-                <a:ln>
-                  <a:noFill/>
-                </a:ln>
-                <a:solidFill>
-                  <a:srgbClr val="000080"/>
-                </a:solidFill>
-                <a:effectLst/>
-                <a:latin typeface="Consolas" panose="020B0609020204030204" pitchFamily="49" charset="0"/>
-              </a:rPr>
-              <a:t>}</a:t>
-            </a:r>
-            <a:r>
-              <a:rPr kumimoji="0" lang="fr-FR" altLang="fr-FR" sz="1000" b="1" i="0" u="none" strike="noStrike" cap="none" normalizeH="0" baseline="0" dirty="0">
-                <a:ln>
-                  <a:noFill/>
-                </a:ln>
-                <a:solidFill>
-                  <a:srgbClr val="008080"/>
-                </a:solidFill>
-                <a:effectLst/>
-                <a:latin typeface="Consolas" panose="020B0609020204030204" pitchFamily="49" charset="0"/>
-              </a:rPr>
-              <a:t>"</a:t>
-            </a:r>
-            <a:r>
-              <a:rPr kumimoji="0" lang="fr-FR" altLang="fr-FR" sz="1000" b="0" i="0" u="none" strike="noStrike" cap="none" normalizeH="0" baseline="0" dirty="0">
-                <a:ln>
-                  <a:noFill/>
-                </a:ln>
-                <a:solidFill>
-                  <a:srgbClr val="000000"/>
-                </a:solidFill>
-                <a:effectLst/>
-                <a:latin typeface="Consolas" panose="020B0609020204030204" pitchFamily="49" charset="0"/>
-              </a:rPr>
-              <a:t>, </a:t>
-            </a:r>
-            <a:r>
-              <a:rPr kumimoji="0" lang="fr-FR" altLang="fr-FR" sz="1000" b="1" i="0" u="none" strike="noStrike" cap="none" normalizeH="0" baseline="0" dirty="0">
-                <a:ln>
-                  <a:noFill/>
-                </a:ln>
-                <a:solidFill>
-                  <a:srgbClr val="000080"/>
-                </a:solidFill>
-                <a:effectLst/>
-                <a:latin typeface="Consolas" panose="020B0609020204030204" pitchFamily="49" charset="0"/>
-              </a:rPr>
-              <a:t>None</a:t>
-            </a:r>
-            <a:r>
-              <a:rPr kumimoji="0" lang="fr-FR" altLang="fr-FR" sz="1000" b="0" i="0" u="none" strike="noStrike" cap="none" normalizeH="0" baseline="0" dirty="0">
-                <a:ln>
-                  <a:noFill/>
-                </a:ln>
-                <a:solidFill>
-                  <a:srgbClr val="000000"/>
-                </a:solidFill>
-                <a:effectLst/>
-                <a:latin typeface="Consolas" panose="020B0609020204030204" pitchFamily="49" charset="0"/>
-              </a:rPr>
-              <a:t>, </a:t>
-            </a:r>
-            <a:r>
-              <a:rPr kumimoji="0" lang="fr-FR" altLang="fr-FR" sz="1000" b="0" i="0" u="none" strike="noStrike" cap="none" normalizeH="0" baseline="0" dirty="0" err="1">
-                <a:ln>
-                  <a:noFill/>
-                </a:ln>
-                <a:solidFill>
-                  <a:srgbClr val="000000"/>
-                </a:solidFill>
-                <a:effectLst/>
-                <a:latin typeface="Consolas" panose="020B0609020204030204" pitchFamily="49" charset="0"/>
-              </a:rPr>
-              <a:t>activationFn</a:t>
-            </a:r>
-            <a:r>
-              <a:rPr kumimoji="0" lang="fr-FR" altLang="fr-FR" sz="1000" b="0" i="0" u="none" strike="noStrike" cap="none" normalizeH="0" baseline="0" dirty="0">
-                <a:ln>
-                  <a:noFill/>
-                </a:ln>
-                <a:solidFill>
-                  <a:srgbClr val="000000"/>
-                </a:solidFill>
-                <a:effectLst/>
-                <a:latin typeface="Consolas" panose="020B0609020204030204" pitchFamily="49" charset="0"/>
-              </a:rPr>
-              <a:t>)</a:t>
-            </a:r>
-            <a:br>
-              <a:rPr kumimoji="0" lang="fr-FR" altLang="fr-FR" sz="1000" b="0" i="0" u="none" strike="noStrike" cap="none" normalizeH="0" baseline="0" dirty="0">
-                <a:ln>
-                  <a:noFill/>
-                </a:ln>
-                <a:solidFill>
-                  <a:srgbClr val="000000"/>
-                </a:solidFill>
-                <a:effectLst/>
-                <a:latin typeface="Consolas" panose="020B0609020204030204" pitchFamily="49" charset="0"/>
-              </a:rPr>
-            </a:br>
-            <a:r>
-              <a:rPr kumimoji="0" lang="fr-FR" altLang="fr-FR" sz="1000" b="0" i="0" u="none" strike="noStrike" cap="none" normalizeH="0" baseline="0" dirty="0">
-                <a:ln>
-                  <a:noFill/>
-                </a:ln>
-                <a:solidFill>
-                  <a:srgbClr val="000000"/>
-                </a:solidFill>
-                <a:effectLst/>
-                <a:latin typeface="Consolas" panose="020B0609020204030204" pitchFamily="49" charset="0"/>
-              </a:rPr>
-              <a:t>            </a:t>
-            </a:r>
-            <a:r>
-              <a:rPr kumimoji="0" lang="fr-FR" altLang="fr-FR" sz="1000" b="0" i="0" u="none" strike="noStrike" cap="none" normalizeH="0" baseline="0" dirty="0" err="1">
-                <a:ln>
-                  <a:noFill/>
-                </a:ln>
-                <a:solidFill>
-                  <a:srgbClr val="94558D"/>
-                </a:solidFill>
-                <a:effectLst/>
-                <a:latin typeface="Consolas" panose="020B0609020204030204" pitchFamily="49" charset="0"/>
-              </a:rPr>
-              <a:t>self</a:t>
-            </a:r>
-            <a:r>
-              <a:rPr kumimoji="0" lang="fr-FR" altLang="fr-FR" sz="1000" b="0" i="0" u="none" strike="noStrike" cap="none" normalizeH="0" baseline="0" dirty="0" err="1">
-                <a:ln>
-                  <a:noFill/>
-                </a:ln>
-                <a:solidFill>
-                  <a:srgbClr val="000000"/>
-                </a:solidFill>
-                <a:effectLst/>
-                <a:latin typeface="Consolas" panose="020B0609020204030204" pitchFamily="49" charset="0"/>
-              </a:rPr>
-              <a:t>.perceptrons.append</a:t>
-            </a:r>
-            <a:r>
-              <a:rPr kumimoji="0" lang="fr-FR" altLang="fr-FR" sz="1000" b="0" i="0" u="none" strike="noStrike" cap="none" normalizeH="0" baseline="0" dirty="0">
-                <a:ln>
-                  <a:noFill/>
-                </a:ln>
-                <a:solidFill>
-                  <a:srgbClr val="000000"/>
-                </a:solidFill>
-                <a:effectLst/>
-                <a:latin typeface="Consolas" panose="020B0609020204030204" pitchFamily="49" charset="0"/>
-              </a:rPr>
-              <a:t>(p)</a:t>
-            </a:r>
-            <a:endParaRPr kumimoji="0" lang="fr-FR" altLang="fr-FR" sz="1800" b="0" i="0" u="none" strike="noStrike" cap="none" normalizeH="0" baseline="0" dirty="0">
-              <a:ln>
-                <a:noFill/>
-              </a:ln>
-              <a:solidFill>
-                <a:schemeClr val="tx1"/>
-              </a:solidFill>
-              <a:effectLst/>
-              <a:latin typeface="Arial" panose="020B0604020202020204" pitchFamily="34" charset="0"/>
-            </a:endParaRPr>
+            <a:r>
+              <a:rPr lang="fr-FR" dirty="0"/>
+              <a:t>1 4 7</a:t>
+            </a:r>
+          </a:p>
+          <a:p>
+            <a:endParaRPr lang="fr-FR" dirty="0"/>
+          </a:p>
+          <a:p>
+            <a:r>
+              <a:rPr lang="fr-FR" dirty="0"/>
+              <a:t>2 5 8</a:t>
+            </a:r>
+          </a:p>
+          <a:p>
+            <a:endParaRPr lang="fr-FR" dirty="0"/>
+          </a:p>
+          <a:p>
+            <a:r>
+              <a:rPr lang="fr-FR" dirty="0"/>
+              <a:t>3 6 9</a:t>
+            </a:r>
           </a:p>
         </p:txBody>
       </p:sp>
     </p:spTree>
     <p:extLst>
       <p:ext uri="{BB962C8B-B14F-4D97-AF65-F5344CB8AC3E}">
-        <p14:creationId xmlns:p14="http://schemas.microsoft.com/office/powerpoint/2010/main" val="654712396"/>
+        <p14:creationId xmlns:p14="http://schemas.microsoft.com/office/powerpoint/2010/main" val="1994866782"/>
       </p:ext>
     </p:extLst>
   </p:cSld>
@@ -5195,50 +5277,23 @@
           <a:p>
             <a:r>
               <a:rPr lang="fr-FR" dirty="0"/>
-              <a:t>MLP</a:t>
-            </a:r>
-          </a:p>
-        </p:txBody>
-      </p:sp>
-      <p:sp>
-        <p:nvSpPr>
-          <p:cNvPr id="3" name="Espace réservé du contenu 2"/>
-          <p:cNvSpPr>
-            <a:spLocks noGrp="1"/>
-          </p:cNvSpPr>
-          <p:nvPr>
-            <p:ph idx="1"/>
-          </p:nvPr>
-        </p:nvSpPr>
-        <p:spPr/>
-        <p:txBody>
-          <a:bodyPr/>
-          <a:lstStyle/>
-          <a:p>
-            <a:r>
-              <a:rPr lang="fr-FR" dirty="0"/>
-              <a:t>Multi Layer Perceptron</a:t>
-            </a:r>
-          </a:p>
-          <a:p>
-            <a:pPr lvl="1"/>
-            <a:r>
-              <a:rPr lang="fr-FR" dirty="0"/>
-              <a:t>Les perceptrons sont mis dans un graphe acyclique</a:t>
+              <a:t>Exemple 2x2x2</a:t>
             </a:r>
           </a:p>
         </p:txBody>
       </p:sp>
       <p:pic>
         <p:nvPicPr>
-          <p:cNvPr id="4" name="Picture 12" descr="Résultat de recherche d'images pour &quot;mlp inference&quot;"/>
+          <p:cNvPr id="4" name="Picture 2" descr="neural_network (7)"/>
           <p:cNvPicPr>
-            <a:picLocks noChangeAspect="1" noChangeArrowheads="1"/>
+            <a:picLocks noGrp="1" noChangeAspect="1" noChangeArrowheads="1"/>
           </p:cNvPicPr>
-          <p:nvPr/>
+          <p:nvPr>
+            <p:ph idx="1"/>
+          </p:nvPr>
         </p:nvPicPr>
         <p:blipFill>
-          <a:blip r:embed="rId3" cstate="print">
+          <a:blip r:embed="rId2">
             <a:extLst>
               <a:ext uri="{28A0092B-C50C-407E-A947-70E740481C1C}">
                 <a14:useLocalDpi xmlns:a14="http://schemas.microsoft.com/office/drawing/2010/main" val="0"/>
@@ -5252,8 +5307,8 @@
         </p:blipFill>
         <p:spPr bwMode="auto">
           <a:xfrm>
-            <a:off x="2051720" y="2852936"/>
-            <a:ext cx="4804506" cy="3164895"/>
+            <a:off x="2411760" y="1700808"/>
+            <a:ext cx="4152900" cy="3533775"/>
           </a:xfrm>
           <a:prstGeom prst="rect">
             <a:avLst/>
@@ -5270,63 +5325,10 @@
           </a:extLst>
         </p:spPr>
       </p:pic>
-      <p:sp>
-        <p:nvSpPr>
-          <p:cNvPr id="5" name="ZoneTexte 4">
-            <a:extLst>
-              <a:ext uri="{FF2B5EF4-FFF2-40B4-BE49-F238E27FC236}">
-                <a16:creationId xmlns:a16="http://schemas.microsoft.com/office/drawing/2014/main" id="{A993503B-2ED5-4061-88B8-420B4BF6AFFF}"/>
-              </a:ext>
-            </a:extLst>
-          </p:cNvPr>
-          <p:cNvSpPr txBox="1"/>
-          <p:nvPr/>
-        </p:nvSpPr>
-        <p:spPr>
-          <a:xfrm>
-            <a:off x="1043608" y="3356992"/>
-            <a:ext cx="869149" cy="1938992"/>
-          </a:xfrm>
-          <a:prstGeom prst="rect">
-            <a:avLst/>
-          </a:prstGeom>
-          <a:noFill/>
-        </p:spPr>
-        <p:txBody>
-          <a:bodyPr wrap="none" rtlCol="0">
-            <a:spAutoFit/>
-          </a:bodyPr>
-          <a:lstStyle/>
-          <a:p>
-            <a:r>
-              <a:rPr lang="fr-FR" dirty="0"/>
-              <a:t>1 4 7</a:t>
-            </a:r>
-          </a:p>
-          <a:p>
-            <a:endParaRPr lang="fr-FR" dirty="0"/>
-          </a:p>
-          <a:p>
-            <a:r>
-              <a:rPr lang="fr-FR" dirty="0"/>
-              <a:t>2 5 8</a:t>
-            </a:r>
-          </a:p>
-          <a:p>
-            <a:endParaRPr lang="fr-FR" dirty="0"/>
-          </a:p>
-          <a:p>
-            <a:r>
-              <a:rPr lang="fr-FR" dirty="0"/>
-              <a:t>3 6 9</a:t>
-            </a:r>
-          </a:p>
-        </p:txBody>
-      </p:sp>
     </p:spTree>
     <p:extLst>
       <p:ext uri="{BB962C8B-B14F-4D97-AF65-F5344CB8AC3E}">
-        <p14:creationId xmlns:p14="http://schemas.microsoft.com/office/powerpoint/2010/main" val="1994866782"/>
+        <p14:creationId xmlns:p14="http://schemas.microsoft.com/office/powerpoint/2010/main" val="1192764081"/>
       </p:ext>
     </p:extLst>
   </p:cSld>
@@ -5370,20 +5372,114 @@
           <a:p>
             <a:r>
               <a:rPr lang="fr-FR" dirty="0"/>
-              <a:t>Exemple 2x2x2</a:t>
+              <a:t>Exemple simple</a:t>
+            </a:r>
+          </a:p>
+        </p:txBody>
+      </p:sp>
+      <p:sp>
+        <p:nvSpPr>
+          <p:cNvPr id="3" name="Espace réservé du contenu 2"/>
+          <p:cNvSpPr>
+            <a:spLocks noGrp="1"/>
+          </p:cNvSpPr>
+          <p:nvPr>
+            <p:ph idx="1"/>
+          </p:nvPr>
+        </p:nvSpPr>
+        <p:spPr/>
+        <p:txBody>
+          <a:bodyPr/>
+          <a:lstStyle/>
+          <a:p>
+            <a:r>
+              <a:rPr lang="fr-FR" dirty="0"/>
+              <a:t>Réseau (2,2,2)</a:t>
+            </a:r>
+          </a:p>
+          <a:p>
+            <a:pPr lvl="1"/>
+            <a:r>
+              <a:rPr lang="fr-FR" dirty="0"/>
+              <a:t>2 inputs</a:t>
+            </a:r>
+          </a:p>
+          <a:p>
+            <a:pPr lvl="1"/>
+            <a:r>
+              <a:rPr lang="fr-FR" dirty="0"/>
+              <a:t>2 </a:t>
+            </a:r>
+            <a:r>
+              <a:rPr lang="fr-FR" dirty="0" err="1"/>
+              <a:t>hiddens</a:t>
+            </a:r>
+            <a:endParaRPr lang="fr-FR" dirty="0"/>
+          </a:p>
+          <a:p>
+            <a:pPr lvl="1"/>
+            <a:r>
+              <a:rPr lang="fr-FR" dirty="0"/>
+              <a:t>2 outputs</a:t>
+            </a:r>
+          </a:p>
+          <a:p>
+            <a:r>
+              <a:rPr lang="fr-FR" dirty="0"/>
+              <a:t>Input [0.05, 0.1]</a:t>
+            </a:r>
+          </a:p>
+          <a:p>
+            <a:r>
+              <a:rPr lang="fr-FR" dirty="0"/>
+              <a:t>Output </a:t>
+            </a:r>
+            <a:r>
+              <a:rPr lang="fr-FR" dirty="0" err="1"/>
+              <a:t>target</a:t>
+            </a:r>
+            <a:r>
+              <a:rPr lang="fr-FR" dirty="0"/>
+              <a:t> [0.01, 0.99]</a:t>
+            </a:r>
+          </a:p>
+          <a:p>
+            <a:r>
+              <a:rPr lang="fr-FR" dirty="0" err="1"/>
+              <a:t>wx</a:t>
+            </a:r>
+            <a:r>
+              <a:rPr lang="fr-FR" dirty="0"/>
+              <a:t> = Poids</a:t>
+            </a:r>
+          </a:p>
+          <a:p>
+            <a:r>
+              <a:rPr lang="fr-FR" dirty="0" err="1"/>
+              <a:t>bx</a:t>
+            </a:r>
+            <a:r>
+              <a:rPr lang="fr-FR" dirty="0"/>
+              <a:t> = </a:t>
+            </a:r>
+            <a:r>
+              <a:rPr lang="fr-FR" dirty="0" err="1"/>
+              <a:t>Bias</a:t>
+            </a:r>
+            <a:r>
+              <a:rPr lang="fr-FR" dirty="0"/>
+              <a:t> (seuils)</a:t>
             </a:r>
           </a:p>
         </p:txBody>
       </p:sp>
       <p:pic>
         <p:nvPicPr>
-          <p:cNvPr id="4" name="Picture 2" descr="neural_network (7)"/>
+          <p:cNvPr id="1028" name="Picture 4" descr="neural_network (9)"/>
           <p:cNvPicPr>
-            <a:picLocks noGrp="1" noChangeAspect="1" noChangeArrowheads="1"/>
+            <a:picLocks noChangeAspect="1" noChangeArrowheads="1"/>
           </p:cNvPicPr>
-          <p:nvPr>
-            <p:ph idx="1"/>
-          </p:nvPr>
+          <p:nvPr/>
         </p:nvPicPr>
         <p:blipFill>
           <a:blip r:embed="rId2">
@@ -5400,8 +5496,8 @@
         </p:blipFill>
         <p:spPr bwMode="auto">
           <a:xfrm>
-            <a:off x="2411760" y="1700808"/>
-            <a:ext cx="4152900" cy="3533775"/>
+            <a:off x="4562537" y="1556792"/>
+            <a:ext cx="4152900" cy="3533776"/>
           </a:xfrm>
           <a:prstGeom prst="rect">
             <a:avLst/>
@@ -5421,7 +5517,7 @@
     </p:spTree>
     <p:extLst>
       <p:ext uri="{BB962C8B-B14F-4D97-AF65-F5344CB8AC3E}">
-        <p14:creationId xmlns:p14="http://schemas.microsoft.com/office/powerpoint/2010/main" val="1192764081"/>
+        <p14:creationId xmlns:p14="http://schemas.microsoft.com/office/powerpoint/2010/main" val="3192940177"/>
       </p:ext>
     </p:extLst>
   </p:cSld>
@@ -5465,110 +5561,14 @@
           <a:p>
             <a:r>
               <a:rPr lang="fr-FR" dirty="0"/>
-              <a:t>Exemple simple</a:t>
-            </a:r>
-          </a:p>
-        </p:txBody>
-      </p:sp>
-      <p:sp>
-        <p:nvSpPr>
-          <p:cNvPr id="3" name="Espace réservé du contenu 2"/>
-          <p:cNvSpPr>
-            <a:spLocks noGrp="1"/>
-          </p:cNvSpPr>
-          <p:nvPr>
-            <p:ph idx="1"/>
-          </p:nvPr>
-        </p:nvSpPr>
-        <p:spPr/>
-        <p:txBody>
-          <a:bodyPr/>
-          <a:lstStyle/>
-          <a:p>
-            <a:r>
-              <a:rPr lang="fr-FR" dirty="0"/>
-              <a:t>Réseau (2,2,2)</a:t>
-            </a:r>
-          </a:p>
-          <a:p>
-            <a:pPr lvl="1"/>
-            <a:r>
-              <a:rPr lang="fr-FR" dirty="0"/>
-              <a:t>2 inputs</a:t>
-            </a:r>
-          </a:p>
-          <a:p>
-            <a:pPr lvl="1"/>
-            <a:r>
-              <a:rPr lang="fr-FR" dirty="0"/>
-              <a:t>2 </a:t>
-            </a:r>
-            <a:r>
-              <a:rPr lang="fr-FR" dirty="0" err="1"/>
-              <a:t>hiddens</a:t>
-            </a:r>
-            <a:endParaRPr lang="fr-FR" dirty="0"/>
-          </a:p>
-          <a:p>
-            <a:pPr lvl="1"/>
-            <a:r>
-              <a:rPr lang="fr-FR" dirty="0"/>
-              <a:t>2 outputs</a:t>
-            </a:r>
-          </a:p>
-          <a:p>
-            <a:r>
-              <a:rPr lang="fr-FR" dirty="0"/>
-              <a:t>Input [0.05, 0.1]</a:t>
-            </a:r>
-          </a:p>
-          <a:p>
-            <a:r>
-              <a:rPr lang="fr-FR" dirty="0"/>
-              <a:t>Output </a:t>
-            </a:r>
-            <a:r>
-              <a:rPr lang="fr-FR" dirty="0" err="1"/>
-              <a:t>target</a:t>
-            </a:r>
-            <a:r>
-              <a:rPr lang="fr-FR" dirty="0"/>
-              <a:t> [0.01, 0.99]</a:t>
-            </a:r>
-          </a:p>
-          <a:p>
-            <a:r>
-              <a:rPr lang="fr-FR" dirty="0" err="1"/>
-              <a:t>wx</a:t>
-            </a:r>
-            <a:r>
-              <a:rPr lang="fr-FR" dirty="0"/>
-              <a:t> = Poids</a:t>
-            </a:r>
-          </a:p>
-          <a:p>
-            <a:r>
-              <a:rPr lang="fr-FR" dirty="0" err="1"/>
-              <a:t>bx</a:t>
-            </a:r>
-            <a:r>
-              <a:rPr lang="fr-FR" dirty="0"/>
-              <a:t> = </a:t>
-            </a:r>
-            <a:r>
-              <a:rPr lang="fr-FR" dirty="0" err="1"/>
-              <a:t>Bias</a:t>
-            </a:r>
-            <a:r>
-              <a:rPr lang="fr-FR" dirty="0"/>
-              <a:t> (seuils)</a:t>
+              <a:t>Inférence</a:t>
             </a:r>
           </a:p>
         </p:txBody>
       </p:sp>
       <p:pic>
         <p:nvPicPr>
-          <p:cNvPr id="1028" name="Picture 4" descr="neural_network (9)"/>
+          <p:cNvPr id="4" name="Picture 4" descr="neural_network (9)"/>
           <p:cNvPicPr>
             <a:picLocks noChangeAspect="1" noChangeArrowheads="1"/>
           </p:cNvPicPr>
@@ -5589,7 +5589,7 @@
         </p:blipFill>
         <p:spPr bwMode="auto">
           <a:xfrm>
-            <a:off x="4562537" y="1556792"/>
+            <a:off x="2267744" y="2060848"/>
             <a:ext cx="4152900" cy="3533776"/>
           </a:xfrm>
           <a:prstGeom prst="rect">
@@ -5610,7 +5610,7 @@
     </p:spTree>
     <p:extLst>
       <p:ext uri="{BB962C8B-B14F-4D97-AF65-F5344CB8AC3E}">
-        <p14:creationId xmlns:p14="http://schemas.microsoft.com/office/powerpoint/2010/main" val="3192940177"/>
+        <p14:creationId xmlns:p14="http://schemas.microsoft.com/office/powerpoint/2010/main" val="1809103920"/>
       </p:ext>
     </p:extLst>
   </p:cSld>
@@ -5654,56 +5654,77 @@
           <a:p>
             <a:r>
               <a:rPr lang="fr-FR" dirty="0"/>
-              <a:t>Inférence</a:t>
-            </a:r>
+              <a:t>Calcul du </a:t>
+            </a:r>
+            <a:r>
+              <a:rPr lang="fr-FR" dirty="0" err="1"/>
+              <a:t>loss</a:t>
+            </a:r>
+            <a:endParaRPr lang="fr-FR" dirty="0"/>
           </a:p>
         </p:txBody>
       </p:sp>
-      <p:pic>
-        <p:nvPicPr>
-          <p:cNvPr id="4" name="Picture 4" descr="neural_network (9)"/>
-          <p:cNvPicPr>
-            <a:picLocks noChangeAspect="1" noChangeArrowheads="1"/>
-          </p:cNvPicPr>
-          <p:nvPr/>
-        </p:nvPicPr>
-        <p:blipFill>
-          <a:blip r:embed="rId2">
-            <a:extLst>
-              <a:ext uri="{28A0092B-C50C-407E-A947-70E740481C1C}">
-                <a14:useLocalDpi xmlns:a14="http://schemas.microsoft.com/office/drawing/2010/main" val="0"/>
-              </a:ext>
-            </a:extLst>
-          </a:blip>
-          <a:srcRect/>
-          <a:stretch>
-            <a:fillRect/>
-          </a:stretch>
-        </p:blipFill>
-        <p:spPr bwMode="auto">
-          <a:xfrm>
-            <a:off x="2267744" y="2060848"/>
-            <a:ext cx="4152900" cy="3533776"/>
-          </a:xfrm>
-          <a:prstGeom prst="rect">
-            <a:avLst/>
-          </a:prstGeom>
-          <a:noFill/>
-          <a:extLst>
-            <a:ext uri="{909E8E84-426E-40DD-AFC4-6F175D3DCCD1}">
-              <a14:hiddenFill xmlns:a14="http://schemas.microsoft.com/office/drawing/2010/main">
-                <a:solidFill>
-                  <a:srgbClr val="FFFFFF"/>
-                </a:solidFill>
-              </a14:hiddenFill>
-            </a:ext>
-          </a:extLst>
-        </p:spPr>
-      </p:pic>
+      <p:sp>
+        <p:nvSpPr>
+          <p:cNvPr id="3" name="Espace réservé du contenu 2"/>
+          <p:cNvSpPr>
+            <a:spLocks noGrp="1"/>
+          </p:cNvSpPr>
+          <p:nvPr>
+            <p:ph idx="1"/>
+          </p:nvPr>
+        </p:nvSpPr>
+        <p:spPr/>
+        <p:txBody>
+          <a:bodyPr/>
+          <a:lstStyle/>
+          <a:p>
+            <a:r>
+              <a:rPr lang="fr-FR" dirty="0"/>
+              <a:t>Les résultats obtenus sont 0.75 et 0.77</a:t>
+            </a:r>
+          </a:p>
+          <a:p>
+            <a:r>
+              <a:rPr lang="fr-FR" dirty="0"/>
+              <a:t>Le résultat attendu est 0.01 et 0.99</a:t>
+            </a:r>
+          </a:p>
+          <a:p>
+            <a:r>
+              <a:rPr lang="fr-FR" dirty="0"/>
+              <a:t>Le </a:t>
+            </a:r>
+            <a:r>
+              <a:rPr lang="fr-FR" dirty="0" err="1"/>
+              <a:t>loss</a:t>
+            </a:r>
+            <a:r>
+              <a:rPr lang="fr-FR" dirty="0"/>
+              <a:t> (</a:t>
+            </a:r>
+            <a:r>
+              <a:rPr lang="fr-FR" dirty="0" err="1"/>
+              <a:t>mse</a:t>
+            </a:r>
+            <a:r>
+              <a:rPr lang="fr-FR" dirty="0"/>
+              <a:t>) est l’erreur quadratique soit</a:t>
+            </a:r>
+          </a:p>
+          <a:p>
+            <a:pPr lvl="1"/>
+            <a:r>
+              <a:rPr lang="fr-FR" dirty="0"/>
+              <a:t>(0.75-0.01)**2 + (0.77-0.99)**2 = 0.51</a:t>
+            </a:r>
+          </a:p>
+        </p:txBody>
+      </p:sp>
     </p:spTree>
     <p:extLst>
       <p:ext uri="{BB962C8B-B14F-4D97-AF65-F5344CB8AC3E}">
-        <p14:creationId xmlns:p14="http://schemas.microsoft.com/office/powerpoint/2010/main" val="1809103920"/>
+        <p14:creationId xmlns:p14="http://schemas.microsoft.com/office/powerpoint/2010/main" val="1802245847"/>
       </p:ext>
     </p:extLst>
   </p:cSld>
@@ -5746,12 +5767,8 @@
           <a:lstStyle/>
           <a:p>
             <a:r>
-              <a:rPr lang="fr-FR" dirty="0"/>
-              <a:t>Calcul du </a:t>
-            </a:r>
-            <a:r>
               <a:rPr lang="fr-FR" dirty="0" err="1"/>
-              <a:t>loss</a:t>
+              <a:t>Backpropagation</a:t>
             </a:r>
             <a:endParaRPr lang="fr-FR" dirty="0"/>
           </a:p>
@@ -5774,50 +5791,40 @@
           <a:p>
             <a:r>
               <a:rPr lang="fr-FR" dirty="0"/>
-              <a:t>Les résultats obtenus sont 0.75 et 0.77</a:t>
-            </a:r>
-          </a:p>
-          <a:p>
-            <a:r>
-              <a:rPr lang="fr-FR" dirty="0"/>
-              <a:t>Le résultat attendu est 0.01 et 0.99</a:t>
-            </a:r>
-          </a:p>
-          <a:p>
-            <a:r>
-              <a:rPr lang="fr-FR" dirty="0"/>
-              <a:t>Le </a:t>
-            </a:r>
-            <a:r>
-              <a:rPr lang="fr-FR" dirty="0" err="1"/>
-              <a:t>loss</a:t>
-            </a:r>
-            <a:r>
-              <a:rPr lang="fr-FR" dirty="0"/>
-              <a:t> (</a:t>
-            </a:r>
-            <a:r>
-              <a:rPr lang="fr-FR" dirty="0" err="1"/>
-              <a:t>mse</a:t>
-            </a:r>
-            <a:r>
-              <a:rPr lang="fr-FR" dirty="0"/>
-              <a:t>) est l’erreur quadratique soit</a:t>
+              <a:t>Les réseaux de neurones sont souvent supervisé</a:t>
             </a:r>
           </a:p>
           <a:p>
             <a:pPr lvl="1"/>
             <a:r>
               <a:rPr lang="fr-FR" dirty="0"/>
-              <a:t>(0.75-0.01)**2 + (0.77-0.99)**2 = 0.51</a:t>
-            </a:r>
+              <a:t>Présence d’un feedback pour indiquer si le calcul est bon</a:t>
+            </a:r>
+          </a:p>
+          <a:p>
+            <a:r>
+              <a:rPr lang="fr-FR" dirty="0"/>
+              <a:t>Si le feedback est bon, le neurone se fige un peu plus</a:t>
+            </a:r>
+          </a:p>
+          <a:p>
+            <a:r>
+              <a:rPr lang="fr-FR" dirty="0"/>
+              <a:t>Sinon, le seuil et les poids changent un peu</a:t>
+            </a:r>
+          </a:p>
+          <a:p>
+            <a:endParaRPr lang="fr-FR" dirty="0"/>
+          </a:p>
+          <a:p>
+            <a:endParaRPr lang="fr-FR" dirty="0"/>
           </a:p>
         </p:txBody>
       </p:sp>
     </p:spTree>
     <p:extLst>
       <p:ext uri="{BB962C8B-B14F-4D97-AF65-F5344CB8AC3E}">
-        <p14:creationId xmlns:p14="http://schemas.microsoft.com/office/powerpoint/2010/main" val="1802245847"/>
+        <p14:creationId xmlns:p14="http://schemas.microsoft.com/office/powerpoint/2010/main" val="2263156246"/>
       </p:ext>
     </p:extLst>
   </p:cSld>
@@ -5860,106 +5867,6 @@
           <a:lstStyle/>
           <a:p>
             <a:r>
-              <a:rPr lang="fr-FR" dirty="0" err="1"/>
-              <a:t>Backpropagation</a:t>
-            </a:r>
-            <a:endParaRPr lang="fr-FR" dirty="0"/>
-          </a:p>
-        </p:txBody>
-      </p:sp>
-      <p:sp>
-        <p:nvSpPr>
-          <p:cNvPr id="3" name="Espace réservé du contenu 2"/>
-          <p:cNvSpPr>
-            <a:spLocks noGrp="1"/>
-          </p:cNvSpPr>
-          <p:nvPr>
-            <p:ph idx="1"/>
-          </p:nvPr>
-        </p:nvSpPr>
-        <p:spPr/>
-        <p:txBody>
-          <a:bodyPr/>
-          <a:lstStyle/>
-          <a:p>
-            <a:r>
-              <a:rPr lang="fr-FR" dirty="0"/>
-              <a:t>Les réseaux de neurones sont souvent supervisé</a:t>
-            </a:r>
-          </a:p>
-          <a:p>
-            <a:pPr lvl="1"/>
-            <a:r>
-              <a:rPr lang="fr-FR" dirty="0"/>
-              <a:t>Présence d’un feedback pour indiquer si le calcul est bon</a:t>
-            </a:r>
-          </a:p>
-          <a:p>
-            <a:r>
-              <a:rPr lang="fr-FR" dirty="0"/>
-              <a:t>Si le feedback est bon, le neurone se fige un peu plus</a:t>
-            </a:r>
-          </a:p>
-          <a:p>
-            <a:r>
-              <a:rPr lang="fr-FR" dirty="0"/>
-              <a:t>Sinon, le seuil et les poids changent un peu</a:t>
-            </a:r>
-          </a:p>
-          <a:p>
-            <a:endParaRPr lang="fr-FR" dirty="0"/>
-          </a:p>
-          <a:p>
-            <a:endParaRPr lang="fr-FR" dirty="0"/>
-          </a:p>
-        </p:txBody>
-      </p:sp>
-    </p:spTree>
-    <p:extLst>
-      <p:ext uri="{BB962C8B-B14F-4D97-AF65-F5344CB8AC3E}">
-        <p14:creationId xmlns:p14="http://schemas.microsoft.com/office/powerpoint/2010/main" val="2263156246"/>
-      </p:ext>
-    </p:extLst>
-  </p:cSld>
-  <p:clrMapOvr>
-    <a:masterClrMapping/>
-  </p:clrMapOvr>
-</p:sld>
-</file>
-
-<file path=ppt/slides/slide19.xml><?xml version="1.0" encoding="utf-8"?>
-<p:sld xmlns:a="http://schemas.openxmlformats.org/drawingml/2006/main" xmlns:r="http://schemas.openxmlformats.org/officeDocument/2006/relationships" xmlns:p="http://schemas.openxmlformats.org/presentationml/2006/main">
-  <p:cSld>
-    <p:spTree>
-      <p:nvGrpSpPr>
-        <p:cNvPr id="1" name=""/>
-        <p:cNvGrpSpPr/>
-        <p:nvPr/>
-      </p:nvGrpSpPr>
-      <p:grpSpPr>
-        <a:xfrm>
-          <a:off x="0" y="0"/>
-          <a:ext cx="0" cy="0"/>
-          <a:chOff x="0" y="0"/>
-          <a:chExt cx="0" cy="0"/>
-        </a:xfrm>
-      </p:grpSpPr>
-      <p:sp>
-        <p:nvSpPr>
-          <p:cNvPr id="2" name="Titre 1"/>
-          <p:cNvSpPr>
-            <a:spLocks noGrp="1"/>
-          </p:cNvSpPr>
-          <p:nvPr>
-            <p:ph type="title"/>
-          </p:nvPr>
-        </p:nvSpPr>
-        <p:spPr/>
-        <p:txBody>
-          <a:bodyPr/>
-          <a:lstStyle/>
-          <a:p>
-            <a:r>
               <a:rPr lang="fr-FR" dirty="0"/>
               <a:t>Gradient d’erreur</a:t>
             </a:r>
@@ -6039,6 +5946,170 @@
     <p:extLst>
       <p:ext uri="{BB962C8B-B14F-4D97-AF65-F5344CB8AC3E}">
         <p14:creationId xmlns:p14="http://schemas.microsoft.com/office/powerpoint/2010/main" val="460024365"/>
+      </p:ext>
+    </p:extLst>
+  </p:cSld>
+  <p:clrMapOvr>
+    <a:masterClrMapping/>
+  </p:clrMapOvr>
+</p:sld>
+</file>
+
+<file path=ppt/slides/slide19.xml><?xml version="1.0" encoding="utf-8"?>
+<p:sld xmlns:a="http://schemas.openxmlformats.org/drawingml/2006/main" xmlns:r="http://schemas.openxmlformats.org/officeDocument/2006/relationships" xmlns:p="http://schemas.openxmlformats.org/presentationml/2006/main">
+  <p:cSld>
+    <p:spTree>
+      <p:nvGrpSpPr>
+        <p:cNvPr id="1" name=""/>
+        <p:cNvGrpSpPr/>
+        <p:nvPr/>
+      </p:nvGrpSpPr>
+      <p:grpSpPr>
+        <a:xfrm>
+          <a:off x="0" y="0"/>
+          <a:ext cx="0" cy="0"/>
+          <a:chOff x="0" y="0"/>
+          <a:chExt cx="0" cy="0"/>
+        </a:xfrm>
+      </p:grpSpPr>
+      <p:sp>
+        <p:nvSpPr>
+          <p:cNvPr id="2" name="Titre 1">
+            <a:extLst>
+              <a:ext uri="{FF2B5EF4-FFF2-40B4-BE49-F238E27FC236}">
+                <a16:creationId xmlns:a16="http://schemas.microsoft.com/office/drawing/2014/main" id="{ECFEC4C4-87EA-450C-B88A-6D762C879A24}"/>
+              </a:ext>
+            </a:extLst>
+          </p:cNvPr>
+          <p:cNvSpPr>
+            <a:spLocks noGrp="1"/>
+          </p:cNvSpPr>
+          <p:nvPr>
+            <p:ph type="title"/>
+          </p:nvPr>
+        </p:nvSpPr>
+        <p:spPr/>
+        <p:txBody>
+          <a:bodyPr/>
+          <a:lstStyle/>
+          <a:p>
+            <a:r>
+              <a:rPr lang="fr-FR" dirty="0" err="1"/>
+              <a:t>dW</a:t>
+            </a:r>
+            <a:endParaRPr lang="fr-FR" dirty="0"/>
+          </a:p>
+        </p:txBody>
+      </p:sp>
+      <p:sp>
+        <p:nvSpPr>
+          <p:cNvPr id="3" name="Espace réservé du contenu 2">
+            <a:extLst>
+              <a:ext uri="{FF2B5EF4-FFF2-40B4-BE49-F238E27FC236}">
+                <a16:creationId xmlns:a16="http://schemas.microsoft.com/office/drawing/2014/main" id="{7E8D1F86-3366-4C45-B5B1-F655AD1FDE6E}"/>
+              </a:ext>
+            </a:extLst>
+          </p:cNvPr>
+          <p:cNvSpPr>
+            <a:spLocks noGrp="1"/>
+          </p:cNvSpPr>
+          <p:nvPr>
+            <p:ph idx="1"/>
+          </p:nvPr>
+        </p:nvSpPr>
+        <p:spPr/>
+        <p:txBody>
+          <a:bodyPr/>
+          <a:lstStyle/>
+          <a:p>
+            <a:endParaRPr lang="fr-FR" dirty="0"/>
+          </a:p>
+          <a:p>
+            <a:endParaRPr lang="fr-FR" dirty="0"/>
+          </a:p>
+          <a:p>
+            <a:r>
+              <a:rPr lang="fr-FR" dirty="0"/>
+              <a:t>Neurone inputs (0.1 0.9) output = grosse erreur</a:t>
+            </a:r>
+          </a:p>
+          <a:p>
+            <a:r>
+              <a:rPr lang="fr-FR" dirty="0" err="1"/>
+              <a:t>LearningRate</a:t>
+            </a:r>
+            <a:r>
+              <a:rPr lang="fr-FR" dirty="0"/>
+              <a:t> = [1</a:t>
+            </a:r>
+            <a:r>
+              <a:rPr lang="fr-FR" baseline="30000" dirty="0"/>
+              <a:t>e</a:t>
+            </a:r>
+            <a:r>
+              <a:rPr lang="fr-FR" dirty="0"/>
+              <a:t>-2; 1</a:t>
+            </a:r>
+            <a:r>
+              <a:rPr lang="fr-FR" baseline="30000" dirty="0"/>
+              <a:t>e</a:t>
+            </a:r>
+            <a:r>
+              <a:rPr lang="fr-FR" dirty="0"/>
+              <a:t>-4]</a:t>
+            </a:r>
+          </a:p>
+          <a:p>
+            <a:endParaRPr lang="fr-FR" dirty="0"/>
+          </a:p>
+          <a:p>
+            <a:r>
+              <a:rPr lang="fr-FR" dirty="0" err="1"/>
+              <a:t>fdW</a:t>
+            </a:r>
+            <a:r>
+              <a:rPr lang="fr-FR" dirty="0"/>
+              <a:t> = (</a:t>
+            </a:r>
+            <a:r>
+              <a:rPr lang="fr-FR" dirty="0" err="1"/>
+              <a:t>Loss</a:t>
+            </a:r>
+            <a:r>
+              <a:rPr lang="fr-FR" dirty="0"/>
+              <a:t> * w * </a:t>
+            </a:r>
+            <a:r>
+              <a:rPr lang="fr-FR" dirty="0" err="1"/>
+              <a:t>LearningRate</a:t>
+            </a:r>
+            <a:r>
+              <a:rPr lang="fr-FR" dirty="0"/>
+              <a:t>) / (</a:t>
+            </a:r>
+            <a:r>
+              <a:rPr lang="fr-FR" dirty="0" err="1"/>
+              <a:t>momentum</a:t>
+            </a:r>
+            <a:r>
+              <a:rPr lang="fr-FR" dirty="0"/>
+              <a:t> * </a:t>
+            </a:r>
+            <a:r>
+              <a:rPr lang="fr-FR" dirty="0" err="1"/>
+              <a:t>dfactivation</a:t>
+            </a:r>
+            <a:r>
+              <a:rPr lang="fr-FR" dirty="0"/>
+              <a:t>)</a:t>
+            </a:r>
+          </a:p>
+        </p:txBody>
+      </p:sp>
+    </p:spTree>
+    <p:extLst>
+      <p:ext uri="{BB962C8B-B14F-4D97-AF65-F5344CB8AC3E}">
+        <p14:creationId xmlns:p14="http://schemas.microsoft.com/office/powerpoint/2010/main" val="1665010655"/>
       </p:ext>
     </p:extLst>
   </p:cSld>
@@ -6192,13 +6263,7 @@
       </p:grpSpPr>
       <p:sp>
         <p:nvSpPr>
-          <p:cNvPr id="2" name="Titre 1">
-            <a:extLst>
-              <a:ext uri="{FF2B5EF4-FFF2-40B4-BE49-F238E27FC236}">
-                <a16:creationId xmlns:a16="http://schemas.microsoft.com/office/drawing/2014/main" id="{ECFEC4C4-87EA-450C-B88A-6D762C879A24}"/>
-              </a:ext>
-            </a:extLst>
-          </p:cNvPr>
+          <p:cNvPr id="2" name="Titre 1"/>
           <p:cNvSpPr>
             <a:spLocks noGrp="1"/>
           </p:cNvSpPr>
@@ -6212,22 +6277,15 @@
           <a:lstStyle/>
           <a:p>
             <a:r>
-              <a:rPr lang="fr-FR" dirty="0" err="1"/>
-              <a:t>dW</a:t>
-            </a:r>
-            <a:endParaRPr lang="fr-FR" dirty="0"/>
+              <a:rPr lang="fr-FR" dirty="0"/>
+              <a:t>Changement du poids</a:t>
+            </a:r>
           </a:p>
         </p:txBody>
       </p:sp>
       <p:sp>
         <p:nvSpPr>
-          <p:cNvPr id="3" name="Espace réservé du contenu 2">
-            <a:extLst>
-              <a:ext uri="{FF2B5EF4-FFF2-40B4-BE49-F238E27FC236}">
-                <a16:creationId xmlns:a16="http://schemas.microsoft.com/office/drawing/2014/main" id="{7E8D1F86-3366-4C45-B5B1-F655AD1FDE6E}"/>
-              </a:ext>
-            </a:extLst>
-          </p:cNvPr>
+          <p:cNvPr id="3" name="Espace réservé du contenu 2"/>
           <p:cNvSpPr>
             <a:spLocks noGrp="1"/>
           </p:cNvSpPr>
@@ -6240,82 +6298,39 @@
           <a:bodyPr/>
           <a:lstStyle/>
           <a:p>
-            <a:endParaRPr lang="fr-FR" dirty="0"/>
-          </a:p>
-          <a:p>
-            <a:endParaRPr lang="fr-FR" dirty="0"/>
-          </a:p>
-          <a:p>
-            <a:r>
-              <a:rPr lang="fr-FR" dirty="0"/>
-              <a:t>Neurone inputs (0.1 0.9) output = grosse erreur</a:t>
-            </a:r>
-          </a:p>
-          <a:p>
+            <a:r>
+              <a:rPr lang="fr-FR" dirty="0"/>
+              <a:t>Changement du poids</a:t>
+            </a:r>
+          </a:p>
+          <a:p>
+            <a:pPr lvl="1"/>
+            <a:r>
+              <a:rPr lang="fr-FR" dirty="0"/>
+              <a:t>Algorithme RMS</a:t>
+            </a:r>
+          </a:p>
+          <a:p>
+            <a:pPr lvl="1"/>
             <a:r>
               <a:rPr lang="fr-FR" dirty="0" err="1"/>
-              <a:t>LearningRate</a:t>
-            </a:r>
-            <a:r>
-              <a:rPr lang="fr-FR" dirty="0"/>
-              <a:t> = [1</a:t>
-            </a:r>
-            <a:r>
-              <a:rPr lang="fr-FR" baseline="30000" dirty="0"/>
-              <a:t>e</a:t>
-            </a:r>
-            <a:r>
-              <a:rPr lang="fr-FR" dirty="0"/>
-              <a:t>-2; 1</a:t>
-            </a:r>
-            <a:r>
-              <a:rPr lang="fr-FR" baseline="30000" dirty="0"/>
-              <a:t>e</a:t>
-            </a:r>
-            <a:r>
-              <a:rPr lang="fr-FR" dirty="0"/>
-              <a:t>-4]</a:t>
-            </a:r>
-          </a:p>
-          <a:p>
-            <a:endParaRPr lang="fr-FR" dirty="0"/>
-          </a:p>
-          <a:p>
+              <a:t>dW</a:t>
+            </a:r>
+            <a:r>
+              <a:rPr lang="fr-FR" dirty="0"/>
+              <a:t> = </a:t>
+            </a:r>
             <a:r>
               <a:rPr lang="fr-FR" dirty="0" err="1"/>
-              <a:t>fdW</a:t>
-            </a:r>
-            <a:r>
-              <a:rPr lang="fr-FR" dirty="0"/>
-              <a:t> = (</a:t>
+              <a:t>learningrate</a:t>
+            </a:r>
+            <a:r>
+              <a:rPr lang="fr-FR" dirty="0"/>
+              <a:t> * gradient(</a:t>
             </a:r>
             <a:r>
               <a:rPr lang="fr-FR" dirty="0" err="1"/>
-              <a:t>Loss</a:t>
-            </a:r>
-            <a:r>
-              <a:rPr lang="fr-FR" dirty="0"/>
-              <a:t> * w * </a:t>
-            </a:r>
-            <a:r>
-              <a:rPr lang="fr-FR" dirty="0" err="1"/>
-              <a:t>LearningRate</a:t>
-            </a:r>
-            <a:r>
-              <a:rPr lang="fr-FR" dirty="0"/>
-              <a:t>) / (</a:t>
-            </a:r>
-            <a:r>
-              <a:rPr lang="fr-FR" dirty="0" err="1"/>
-              <a:t>momentum</a:t>
-            </a:r>
-            <a:r>
-              <a:rPr lang="fr-FR" dirty="0"/>
-              <a:t> * </a:t>
-            </a:r>
-            <a:r>
-              <a:rPr lang="fr-FR" dirty="0" err="1"/>
-              <a:t>dfactivation</a:t>
+              <a:t>loss</a:t>
             </a:r>
             <a:r>
               <a:rPr lang="fr-FR" dirty="0"/>
@@ -6324,10 +6339,51 @@
           </a:p>
         </p:txBody>
       </p:sp>
+      <p:pic>
+        <p:nvPicPr>
+          <p:cNvPr id="7170" name="Picture 2" descr="https://miro.medium.com/max/1500/0*oqm7QVnI9-inFGCc.gif"/>
+          <p:cNvPicPr>
+            <a:picLocks noChangeAspect="1" noChangeArrowheads="1" noCrop="1"/>
+          </p:cNvPicPr>
+          <p:nvPr/>
+        </p:nvPicPr>
+        <p:blipFill>
+          <a:blip r:embed="rId2">
+            <a:extLst>
+              <a:ext uri="{28A0092B-C50C-407E-A947-70E740481C1C}">
+                <a14:useLocalDpi xmlns:a14="http://schemas.microsoft.com/office/drawing/2010/main" val="0"/>
+              </a:ext>
+            </a:extLst>
+          </a:blip>
+          <a:srcRect/>
+          <a:stretch>
+            <a:fillRect/>
+          </a:stretch>
+        </p:blipFill>
+        <p:spPr bwMode="auto">
+          <a:xfrm>
+            <a:off x="611560" y="3212976"/>
+            <a:ext cx="6768752" cy="2651095"/>
+          </a:xfrm>
+          <a:prstGeom prst="rect">
+            <a:avLst/>
+          </a:prstGeom>
+          <a:noFill/>
+          <a:extLst>
+            <a:ext uri="{909E8E84-426E-40DD-AFC4-6F175D3DCCD1}">
+              <a14:hiddenFill xmlns:a14="http://schemas.microsoft.com/office/drawing/2010/main">
+                <a:solidFill>
+                  <a:srgbClr val="FFFFFF"/>
+                </a:solidFill>
+              </a14:hiddenFill>
+            </a:ext>
+          </a:extLst>
+        </p:spPr>
+      </p:pic>
     </p:spTree>
     <p:extLst>
       <p:ext uri="{BB962C8B-B14F-4D97-AF65-F5344CB8AC3E}">
-        <p14:creationId xmlns:p14="http://schemas.microsoft.com/office/powerpoint/2010/main" val="1665010655"/>
+        <p14:creationId xmlns:p14="http://schemas.microsoft.com/office/powerpoint/2010/main" val="540926501"/>
       </p:ext>
     </p:extLst>
   </p:cSld>
@@ -6371,7 +6427,7 @@
           <a:p>
             <a:r>
               <a:rPr lang="fr-FR" dirty="0"/>
-              <a:t>Changement du poids</a:t>
+              <a:t>Learning rate</a:t>
             </a:r>
           </a:p>
         </p:txBody>
@@ -6393,50 +6449,23 @@
           <a:p>
             <a:r>
               <a:rPr lang="fr-FR" dirty="0"/>
-              <a:t>Changement du poids</a:t>
+              <a:t>Le taux d’apprentissage résout le problème des minimums locaux</a:t>
             </a:r>
           </a:p>
           <a:p>
             <a:pPr lvl="1"/>
             <a:r>
               <a:rPr lang="fr-FR" dirty="0"/>
-              <a:t>Algorithme RMS</a:t>
-            </a:r>
-          </a:p>
-          <a:p>
-            <a:pPr lvl="1"/>
-            <a:r>
-              <a:rPr lang="fr-FR" dirty="0" err="1"/>
-              <a:t>dW</a:t>
-            </a:r>
-            <a:r>
-              <a:rPr lang="fr-FR" dirty="0"/>
-              <a:t> = </a:t>
-            </a:r>
-            <a:r>
-              <a:rPr lang="fr-FR" dirty="0" err="1"/>
-              <a:t>learningrate</a:t>
-            </a:r>
-            <a:r>
-              <a:rPr lang="fr-FR" dirty="0"/>
-              <a:t> * gradient(</a:t>
-            </a:r>
-            <a:r>
-              <a:rPr lang="fr-FR" dirty="0" err="1"/>
-              <a:t>loss</a:t>
-            </a:r>
-            <a:r>
-              <a:rPr lang="fr-FR" dirty="0"/>
-              <a:t>)</a:t>
+              <a:t>Entre 0.01 et 0.00001</a:t>
             </a:r>
           </a:p>
         </p:txBody>
       </p:sp>
       <p:pic>
         <p:nvPicPr>
-          <p:cNvPr id="7170" name="Picture 2" descr="https://miro.medium.com/max/1500/0*oqm7QVnI9-inFGCc.gif"/>
+          <p:cNvPr id="13314" name="Picture 2" descr="https://miro.medium.com/max/700/0*G8a4jCsMLJ7xNQNt.png"/>
           <p:cNvPicPr>
-            <a:picLocks noChangeAspect="1" noChangeArrowheads="1" noCrop="1"/>
+            <a:picLocks noChangeAspect="1" noChangeArrowheads="1"/>
           </p:cNvPicPr>
           <p:nvPr/>
         </p:nvPicPr>
@@ -6455,8 +6484,8 @@
         </p:blipFill>
         <p:spPr bwMode="auto">
           <a:xfrm>
-            <a:off x="611560" y="3212976"/>
-            <a:ext cx="6768752" cy="2651095"/>
+            <a:off x="5825282" y="1772816"/>
+            <a:ext cx="3120281" cy="2340211"/>
           </a:xfrm>
           <a:prstGeom prst="rect">
             <a:avLst/>
@@ -6473,10 +6502,51 @@
           </a:extLst>
         </p:spPr>
       </p:pic>
+      <p:pic>
+        <p:nvPicPr>
+          <p:cNvPr id="13316" name="Picture 4" descr="Image result for gradient descent"/>
+          <p:cNvPicPr>
+            <a:picLocks noChangeAspect="1" noChangeArrowheads="1"/>
+          </p:cNvPicPr>
+          <p:nvPr/>
+        </p:nvPicPr>
+        <p:blipFill>
+          <a:blip r:embed="rId3" cstate="print">
+            <a:extLst>
+              <a:ext uri="{28A0092B-C50C-407E-A947-70E740481C1C}">
+                <a14:useLocalDpi xmlns:a14="http://schemas.microsoft.com/office/drawing/2010/main" val="0"/>
+              </a:ext>
+            </a:extLst>
+          </a:blip>
+          <a:srcRect/>
+          <a:stretch>
+            <a:fillRect/>
+          </a:stretch>
+        </p:blipFill>
+        <p:spPr bwMode="auto">
+          <a:xfrm>
+            <a:off x="899592" y="3501008"/>
+            <a:ext cx="4577354" cy="2141810"/>
+          </a:xfrm>
+          <a:prstGeom prst="rect">
+            <a:avLst/>
+          </a:prstGeom>
+          <a:noFill/>
+          <a:extLst>
+            <a:ext uri="{909E8E84-426E-40DD-AFC4-6F175D3DCCD1}">
+              <a14:hiddenFill xmlns:a14="http://schemas.microsoft.com/office/drawing/2010/main">
+                <a:solidFill>
+                  <a:srgbClr val="FFFFFF"/>
+                </a:solidFill>
+              </a14:hiddenFill>
+            </a:ext>
+          </a:extLst>
+        </p:spPr>
+      </p:pic>
     </p:spTree>
     <p:extLst>
       <p:ext uri="{BB962C8B-B14F-4D97-AF65-F5344CB8AC3E}">
-        <p14:creationId xmlns:p14="http://schemas.microsoft.com/office/powerpoint/2010/main" val="540926501"/>
+        <p14:creationId xmlns:p14="http://schemas.microsoft.com/office/powerpoint/2010/main" val="3830766788"/>
       </p:ext>
     </p:extLst>
   </p:cSld>
@@ -6520,7 +6590,7 @@
           <a:p>
             <a:r>
               <a:rPr lang="fr-FR" dirty="0"/>
-              <a:t>Learning rate</a:t>
+              <a:t>La descente du gradient</a:t>
             </a:r>
           </a:p>
         </p:txBody>
@@ -6542,21 +6612,29 @@
           <a:p>
             <a:r>
               <a:rPr lang="fr-FR" dirty="0"/>
-              <a:t>Le taux d’apprentissage résout le problème des minimums locaux</a:t>
+              <a:t>La descente du gradient</a:t>
             </a:r>
           </a:p>
           <a:p>
             <a:pPr lvl="1"/>
             <a:r>
               <a:rPr lang="fr-FR" dirty="0"/>
-              <a:t>Entre 0.01 et 0.00001</a:t>
-            </a:r>
+              <a:t>Le changement de poids est alors effectué en remontant le réseaux</a:t>
+            </a:r>
+          </a:p>
+          <a:p>
+            <a:pPr lvl="1"/>
+            <a:r>
+              <a:rPr lang="fr-FR" dirty="0" err="1"/>
+              <a:t>Backpropagation</a:t>
+            </a:r>
+            <a:endParaRPr lang="fr-FR" dirty="0"/>
           </a:p>
         </p:txBody>
       </p:sp>
       <p:pic>
         <p:nvPicPr>
-          <p:cNvPr id="13314" name="Picture 2" descr="https://miro.medium.com/max/700/0*G8a4jCsMLJ7xNQNt.png"/>
+          <p:cNvPr id="5" name="Picture 8" descr="nn-calculation"/>
           <p:cNvPicPr>
             <a:picLocks noChangeAspect="1" noChangeArrowheads="1"/>
           </p:cNvPicPr>
@@ -6577,8 +6655,8 @@
         </p:blipFill>
         <p:spPr bwMode="auto">
           <a:xfrm>
-            <a:off x="5825282" y="1772816"/>
-            <a:ext cx="3120281" cy="2340211"/>
+            <a:off x="1067302" y="3284983"/>
+            <a:ext cx="3752373" cy="3030489"/>
           </a:xfrm>
           <a:prstGeom prst="rect">
             <a:avLst/>
@@ -6597,7 +6675,7 @@
       </p:pic>
       <p:pic>
         <p:nvPicPr>
-          <p:cNvPr id="13316" name="Picture 4" descr="Image result for gradient descent"/>
+          <p:cNvPr id="6" name="Picture 2" descr="https://miro.medium.com/max/2870/1*r_-1TKp8ylzWRl_ybjEhwA.png"/>
           <p:cNvPicPr>
             <a:picLocks noChangeAspect="1" noChangeArrowheads="1"/>
           </p:cNvPicPr>
@@ -6618,8 +6696,8 @@
         </p:blipFill>
         <p:spPr bwMode="auto">
           <a:xfrm>
-            <a:off x="899592" y="3501008"/>
-            <a:ext cx="4577354" cy="2141810"/>
+            <a:off x="5018112" y="4440829"/>
+            <a:ext cx="4125888" cy="718796"/>
           </a:xfrm>
           <a:prstGeom prst="rect">
             <a:avLst/>
@@ -6639,7 +6717,7 @@
     </p:spTree>
     <p:extLst>
       <p:ext uri="{BB962C8B-B14F-4D97-AF65-F5344CB8AC3E}">
-        <p14:creationId xmlns:p14="http://schemas.microsoft.com/office/powerpoint/2010/main" val="3830766788"/>
+        <p14:creationId xmlns:p14="http://schemas.microsoft.com/office/powerpoint/2010/main" val="2691581530"/>
       </p:ext>
     </p:extLst>
   </p:cSld>
@@ -6682,42 +6760,6 @@
           <a:lstStyle/>
           <a:p>
             <a:r>
-              <a:rPr lang="fr-FR" dirty="0"/>
-              <a:t>La descente du gradient</a:t>
-            </a:r>
-          </a:p>
-        </p:txBody>
-      </p:sp>
-      <p:sp>
-        <p:nvSpPr>
-          <p:cNvPr id="3" name="Espace réservé du contenu 2"/>
-          <p:cNvSpPr>
-            <a:spLocks noGrp="1"/>
-          </p:cNvSpPr>
-          <p:nvPr>
-            <p:ph idx="1"/>
-          </p:nvPr>
-        </p:nvSpPr>
-        <p:spPr/>
-        <p:txBody>
-          <a:bodyPr/>
-          <a:lstStyle/>
-          <a:p>
-            <a:r>
-              <a:rPr lang="fr-FR" dirty="0"/>
-              <a:t>La descente du gradient</a:t>
-            </a:r>
-          </a:p>
-          <a:p>
-            <a:pPr lvl="1"/>
-            <a:r>
-              <a:rPr lang="fr-FR" dirty="0"/>
-              <a:t>Le changement de poids est alors effectué en remontant le réseaux</a:t>
-            </a:r>
-          </a:p>
-          <a:p>
-            <a:pPr lvl="1"/>
-            <a:r>
               <a:rPr lang="fr-FR" dirty="0" err="1"/>
               <a:t>Backpropagation</a:t>
             </a:r>
@@ -6727,11 +6769,13 @@
       </p:sp>
       <p:pic>
         <p:nvPicPr>
-          <p:cNvPr id="5" name="Picture 8" descr="nn-calculation"/>
+          <p:cNvPr id="4098" name="Picture 2" descr="https://dpzbhybb2pdcj.cloudfront.net/allaire/Figures/01fig09.jpg"/>
           <p:cNvPicPr>
-            <a:picLocks noChangeAspect="1" noChangeArrowheads="1"/>
+            <a:picLocks noGrp="1" noChangeAspect="1" noChangeArrowheads="1"/>
           </p:cNvPicPr>
-          <p:nvPr/>
+          <p:nvPr>
+            <p:ph idx="1"/>
+          </p:nvPr>
         </p:nvPicPr>
         <p:blipFill>
           <a:blip r:embed="rId2">
@@ -6748,8 +6792,8 @@
         </p:blipFill>
         <p:spPr bwMode="auto">
           <a:xfrm>
-            <a:off x="1067302" y="3284983"/>
-            <a:ext cx="3752373" cy="3030489"/>
+            <a:off x="2798341" y="1772816"/>
+            <a:ext cx="4608512" cy="3657214"/>
           </a:xfrm>
           <a:prstGeom prst="rect">
             <a:avLst/>
@@ -6766,51 +6810,10 @@
           </a:extLst>
         </p:spPr>
       </p:pic>
-      <p:pic>
-        <p:nvPicPr>
-          <p:cNvPr id="6" name="Picture 2" descr="https://miro.medium.com/max/2870/1*r_-1TKp8ylzWRl_ybjEhwA.png"/>
-          <p:cNvPicPr>
-            <a:picLocks noChangeAspect="1" noChangeArrowheads="1"/>
-          </p:cNvPicPr>
-          <p:nvPr/>
-        </p:nvPicPr>
-        <p:blipFill>
-          <a:blip r:embed="rId3" cstate="print">
-            <a:extLst>
-              <a:ext uri="{28A0092B-C50C-407E-A947-70E740481C1C}">
-                <a14:useLocalDpi xmlns:a14="http://schemas.microsoft.com/office/drawing/2010/main" val="0"/>
-              </a:ext>
-            </a:extLst>
-          </a:blip>
-          <a:srcRect/>
-          <a:stretch>
-            <a:fillRect/>
-          </a:stretch>
-        </p:blipFill>
-        <p:spPr bwMode="auto">
-          <a:xfrm>
-            <a:off x="5018112" y="4440829"/>
-            <a:ext cx="4125888" cy="718796"/>
-          </a:xfrm>
-          <a:prstGeom prst="rect">
-            <a:avLst/>
-          </a:prstGeom>
-          <a:noFill/>
-          <a:extLst>
-            <a:ext uri="{909E8E84-426E-40DD-AFC4-6F175D3DCCD1}">
-              <a14:hiddenFill xmlns:a14="http://schemas.microsoft.com/office/drawing/2010/main">
-                <a:solidFill>
-                  <a:srgbClr val="FFFFFF"/>
-                </a:solidFill>
-              </a14:hiddenFill>
-            </a:ext>
-          </a:extLst>
-        </p:spPr>
-      </p:pic>
     </p:spTree>
     <p:extLst>
       <p:ext uri="{BB962C8B-B14F-4D97-AF65-F5344CB8AC3E}">
-        <p14:creationId xmlns:p14="http://schemas.microsoft.com/office/powerpoint/2010/main" val="2691581530"/>
+        <p14:creationId xmlns:p14="http://schemas.microsoft.com/office/powerpoint/2010/main" val="2578929874"/>
       </p:ext>
     </p:extLst>
   </p:cSld>
@@ -6854,21 +6857,105 @@
           <a:p>
             <a:r>
               <a:rPr lang="fr-FR" dirty="0" err="1"/>
-              <a:t>Backpropagation</a:t>
+              <a:t>Stochastic</a:t>
+            </a:r>
+            <a:r>
+              <a:rPr lang="fr-FR" dirty="0"/>
+              <a:t> Gradient </a:t>
+            </a:r>
+            <a:r>
+              <a:rPr lang="fr-FR" dirty="0" err="1"/>
+              <a:t>Based</a:t>
+            </a:r>
+            <a:r>
+              <a:rPr lang="fr-FR" dirty="0"/>
+              <a:t> </a:t>
+            </a:r>
+            <a:r>
+              <a:rPr lang="fr-FR" dirty="0" err="1"/>
+              <a:t>Optimizer</a:t>
             </a:r>
             <a:endParaRPr lang="fr-FR" dirty="0"/>
+          </a:p>
+        </p:txBody>
+      </p:sp>
+      <p:sp>
+        <p:nvSpPr>
+          <p:cNvPr id="3" name="Espace réservé du contenu 2"/>
+          <p:cNvSpPr>
+            <a:spLocks noGrp="1"/>
+          </p:cNvSpPr>
+          <p:nvPr>
+            <p:ph idx="1"/>
+          </p:nvPr>
+        </p:nvSpPr>
+        <p:spPr/>
+        <p:txBody>
+          <a:bodyPr/>
+          <a:lstStyle/>
+          <a:p>
+            <a:r>
+              <a:rPr lang="fr-FR" dirty="0"/>
+              <a:t>Ajout d’un moment et de la dérivé de la fonction d’activation dans le calcul de </a:t>
+            </a:r>
+            <a:r>
+              <a:rPr lang="fr-FR" dirty="0" err="1"/>
+              <a:t>dW</a:t>
+            </a:r>
+            <a:endParaRPr lang="fr-FR" dirty="0"/>
+          </a:p>
+          <a:p>
+            <a:pPr lvl="1"/>
+            <a:r>
+              <a:rPr lang="fr-FR" dirty="0" err="1"/>
+              <a:t>dW</a:t>
+            </a:r>
+            <a:r>
+              <a:rPr lang="fr-FR" dirty="0"/>
+              <a:t> = (</a:t>
+            </a:r>
+            <a:r>
+              <a:rPr lang="fr-FR" dirty="0" err="1"/>
+              <a:t>learningrate</a:t>
+            </a:r>
+            <a:r>
+              <a:rPr lang="fr-FR" dirty="0"/>
+              <a:t> * gradient(</a:t>
+            </a:r>
+            <a:r>
+              <a:rPr lang="fr-FR" dirty="0" err="1"/>
+              <a:t>loss</a:t>
+            </a:r>
+            <a:r>
+              <a:rPr lang="fr-FR" dirty="0"/>
+              <a:t>)) / (</a:t>
+            </a:r>
+            <a:r>
+              <a:rPr lang="fr-FR" dirty="0" err="1"/>
+              <a:t>df</a:t>
+            </a:r>
+            <a:r>
+              <a:rPr lang="fr-FR" dirty="0"/>
+              <a:t>(x) * </a:t>
+            </a:r>
+            <a:r>
+              <a:rPr lang="fr-FR" dirty="0" err="1"/>
+              <a:t>momentum</a:t>
+            </a:r>
+            <a:r>
+              <a:rPr lang="fr-FR" dirty="0"/>
+              <a:t>)</a:t>
+            </a:r>
           </a:p>
         </p:txBody>
       </p:sp>
       <p:pic>
         <p:nvPicPr>
-          <p:cNvPr id="4098" name="Picture 2" descr="https://dpzbhybb2pdcj.cloudfront.net/allaire/Figures/01fig09.jpg"/>
+          <p:cNvPr id="6" name="Picture 2" descr="https://dpzbhybb2pdcj.cloudfront.net/allaire/Figures/02fig10.jpg"/>
           <p:cNvPicPr>
-            <a:picLocks noGrp="1" noChangeAspect="1" noChangeArrowheads="1"/>
+            <a:picLocks noChangeAspect="1" noChangeArrowheads="1"/>
           </p:cNvPicPr>
-          <p:nvPr>
-            <p:ph idx="1"/>
-          </p:nvPr>
+          <p:nvPr/>
         </p:nvPicPr>
         <p:blipFill>
           <a:blip r:embed="rId2">
@@ -6885,13 +6972,16 @@
         </p:blipFill>
         <p:spPr bwMode="auto">
           <a:xfrm>
-            <a:off x="2798341" y="1772816"/>
-            <a:ext cx="4608512" cy="3657214"/>
+            <a:off x="3203848" y="3212976"/>
+            <a:ext cx="2869743" cy="2189416"/>
           </a:xfrm>
           <a:prstGeom prst="rect">
             <a:avLst/>
           </a:prstGeom>
           <a:noFill/>
+          <a:ln>
+            <a:noFill/>
+          </a:ln>
           <a:extLst>
             <a:ext uri="{909E8E84-426E-40DD-AFC4-6F175D3DCCD1}">
               <a14:hiddenFill xmlns:a14="http://schemas.microsoft.com/office/drawing/2010/main">
@@ -6899,6 +6989,16 @@
                   <a:srgbClr val="FFFFFF"/>
                 </a:solidFill>
               </a14:hiddenFill>
+            </a:ext>
+            <a:ext uri="{91240B29-F687-4F45-9708-019B960494DF}">
+              <a14:hiddenLine xmlns:a14="http://schemas.microsoft.com/office/drawing/2010/main" w="9525">
+                <a:solidFill>
+                  <a:srgbClr val="000000"/>
+                </a:solidFill>
+                <a:miter lim="800000"/>
+                <a:headEnd/>
+                <a:tailEnd/>
+              </a14:hiddenLine>
             </a:ext>
           </a:extLst>
         </p:spPr>
@@ -6906,7 +7006,7 @@
     </p:spTree>
     <p:extLst>
       <p:ext uri="{BB962C8B-B14F-4D97-AF65-F5344CB8AC3E}">
-        <p14:creationId xmlns:p14="http://schemas.microsoft.com/office/powerpoint/2010/main" val="2578929874"/>
+        <p14:creationId xmlns:p14="http://schemas.microsoft.com/office/powerpoint/2010/main" val="4230464150"/>
       </p:ext>
     </p:extLst>
   </p:cSld>
@@ -6949,26 +7049,9 @@
           <a:lstStyle/>
           <a:p>
             <a:r>
-              <a:rPr lang="fr-FR" dirty="0" err="1"/>
-              <a:t>Stochastic</a:t>
-            </a:r>
-            <a:r>
-              <a:rPr lang="fr-FR" dirty="0"/>
-              <a:t> Gradient </a:t>
-            </a:r>
-            <a:r>
-              <a:rPr lang="fr-FR" dirty="0" err="1"/>
-              <a:t>Based</a:t>
-            </a:r>
-            <a:r>
-              <a:rPr lang="fr-FR" dirty="0"/>
-              <a:t> </a:t>
-            </a:r>
-            <a:r>
-              <a:rPr lang="fr-FR" dirty="0" err="1"/>
-              <a:t>Optimizer</a:t>
-            </a:r>
-            <a:endParaRPr lang="fr-FR" dirty="0"/>
+              <a:rPr lang="fr-FR" dirty="0"/>
+              <a:t>MLP Complexes</a:t>
+            </a:r>
           </a:p>
         </p:txBody>
       </p:sp>
@@ -6989,62 +7072,14 @@
           <a:p>
             <a:r>
               <a:rPr lang="fr-FR" dirty="0"/>
-              <a:t>Ajout d’un moment et de la dérivé de la fonction d’activation dans le calcul de </a:t>
-            </a:r>
-            <a:r>
-              <a:rPr lang="fr-FR" dirty="0" err="1"/>
-              <a:t>dW</a:t>
-            </a:r>
-            <a:endParaRPr lang="fr-FR" dirty="0"/>
-          </a:p>
-          <a:p>
-            <a:pPr lvl="1"/>
-            <a:r>
-              <a:rPr lang="fr-FR" dirty="0" err="1"/>
-              <a:t>dW</a:t>
-            </a:r>
-            <a:r>
-              <a:rPr lang="fr-FR" dirty="0"/>
-              <a:t> = (</a:t>
-            </a:r>
-            <a:r>
-              <a:rPr lang="fr-FR" dirty="0" err="1"/>
-              <a:t>learningrate</a:t>
-            </a:r>
-            <a:r>
-              <a:rPr lang="fr-FR" dirty="0"/>
-              <a:t> * gradient(</a:t>
-            </a:r>
-            <a:r>
-              <a:rPr lang="fr-FR" dirty="0" err="1"/>
-              <a:t>loss</a:t>
-            </a:r>
-            <a:r>
-              <a:rPr lang="fr-FR" dirty="0"/>
-              <a:t>)) / (</a:t>
-            </a:r>
-            <a:r>
-              <a:rPr lang="fr-FR" dirty="0" err="1"/>
-              <a:t>df</a:t>
-            </a:r>
-            <a:r>
-              <a:rPr lang="fr-FR" dirty="0"/>
-              <a:t>(x) * </a:t>
-            </a:r>
-            <a:r>
-              <a:rPr lang="fr-FR" dirty="0" err="1"/>
-              <a:t>momentum</a:t>
-            </a:r>
-            <a:r>
-              <a:rPr lang="fr-FR" dirty="0"/>
-              <a:t>)</a:t>
+              <a:t>Les réseaux peuvent être complexes</a:t>
             </a:r>
           </a:p>
         </p:txBody>
       </p:sp>
       <p:pic>
         <p:nvPicPr>
-          <p:cNvPr id="6" name="Picture 2" descr="https://dpzbhybb2pdcj.cloudfront.net/allaire/Figures/02fig10.jpg"/>
+          <p:cNvPr id="4" name="Picture 16" descr="Résultat de recherche d'images pour &quot;multi layer perceptron inference animated gif&quot;"/>
           <p:cNvPicPr>
             <a:picLocks noChangeAspect="1" noChangeArrowheads="1"/>
           </p:cNvPicPr>
@@ -7065,16 +7100,13 @@
         </p:blipFill>
         <p:spPr bwMode="auto">
           <a:xfrm>
-            <a:off x="3203848" y="3212976"/>
-            <a:ext cx="2869743" cy="2189416"/>
+            <a:off x="1979712" y="1916832"/>
+            <a:ext cx="5273934" cy="4428753"/>
           </a:xfrm>
           <a:prstGeom prst="rect">
             <a:avLst/>
           </a:prstGeom>
           <a:noFill/>
-          <a:ln>
-            <a:noFill/>
-          </a:ln>
           <a:extLst>
             <a:ext uri="{909E8E84-426E-40DD-AFC4-6F175D3DCCD1}">
               <a14:hiddenFill xmlns:a14="http://schemas.microsoft.com/office/drawing/2010/main">
@@ -7082,16 +7114,6 @@
                   <a:srgbClr val="FFFFFF"/>
                 </a:solidFill>
               </a14:hiddenFill>
-            </a:ext>
-            <a:ext uri="{91240B29-F687-4F45-9708-019B960494DF}">
-              <a14:hiddenLine xmlns:a14="http://schemas.microsoft.com/office/drawing/2010/main" w="9525">
-                <a:solidFill>
-                  <a:srgbClr val="000000"/>
-                </a:solidFill>
-                <a:miter lim="800000"/>
-                <a:headEnd/>
-                <a:tailEnd/>
-              </a14:hiddenLine>
             </a:ext>
           </a:extLst>
         </p:spPr>
@@ -7099,7 +7121,7 @@
     </p:spTree>
     <p:extLst>
       <p:ext uri="{BB962C8B-B14F-4D97-AF65-F5344CB8AC3E}">
-        <p14:creationId xmlns:p14="http://schemas.microsoft.com/office/powerpoint/2010/main" val="4230464150"/>
+        <p14:creationId xmlns:p14="http://schemas.microsoft.com/office/powerpoint/2010/main" val="651947342"/>
       </p:ext>
     </p:extLst>
   </p:cSld>
@@ -7143,7 +7165,7 @@
           <a:p>
             <a:r>
               <a:rPr lang="fr-FR" dirty="0"/>
-              <a:t>MLP Complexes</a:t>
+              <a:t>Coût</a:t>
             </a:r>
           </a:p>
         </p:txBody>
@@ -7158,28 +7180,47 @@
             <p:ph idx="1"/>
           </p:nvPr>
         </p:nvSpPr>
-        <p:spPr/>
+        <p:spPr>
+          <a:xfrm>
+            <a:off x="179513" y="1412776"/>
+            <a:ext cx="7056784" cy="5040560"/>
+          </a:xfrm>
+        </p:spPr>
         <p:txBody>
           <a:bodyPr/>
           <a:lstStyle/>
           <a:p>
             <a:r>
               <a:rPr lang="fr-FR" dirty="0"/>
-              <a:t>Les réseaux peuvent être complexes</a:t>
+              <a:t>Très couteux</a:t>
+            </a:r>
+          </a:p>
+          <a:p>
+            <a:pPr lvl="1"/>
+            <a:r>
+              <a:rPr lang="fr-FR" dirty="0"/>
+              <a:t>Mais donne de très bon résultats</a:t>
+            </a:r>
+          </a:p>
+          <a:p>
+            <a:pPr lvl="1"/>
+            <a:r>
+              <a:rPr lang="fr-FR" dirty="0"/>
+              <a:t>Maitrise l’addition sur 4 bits avec 145 neurones et 100 itérations</a:t>
             </a:r>
           </a:p>
         </p:txBody>
       </p:sp>
       <p:pic>
         <p:nvPicPr>
-          <p:cNvPr id="4" name="Picture 16" descr="Résultat de recherche d'images pour &quot;multi layer perceptron inference animated gif&quot;"/>
+          <p:cNvPr id="3074" name="Picture 2" descr="../_images/multilayerperceptron_network.png"/>
           <p:cNvPicPr>
             <a:picLocks noChangeAspect="1" noChangeArrowheads="1"/>
           </p:cNvPicPr>
           <p:nvPr/>
         </p:nvPicPr>
         <p:blipFill>
-          <a:blip r:embed="rId2">
+          <a:blip r:embed="rId2" cstate="print">
             <a:extLst>
               <a:ext uri="{28A0092B-C50C-407E-A947-70E740481C1C}">
                 <a14:useLocalDpi xmlns:a14="http://schemas.microsoft.com/office/drawing/2010/main" val="0"/>
@@ -7193,8 +7234,8 @@
         </p:blipFill>
         <p:spPr bwMode="auto">
           <a:xfrm>
-            <a:off x="1979712" y="1916832"/>
-            <a:ext cx="5273934" cy="4428753"/>
+            <a:off x="6863081" y="2132856"/>
+            <a:ext cx="2088232" cy="2269585"/>
           </a:xfrm>
           <a:prstGeom prst="rect">
             <a:avLst/>
@@ -7214,7 +7255,7 @@
     </p:spTree>
     <p:extLst>
       <p:ext uri="{BB962C8B-B14F-4D97-AF65-F5344CB8AC3E}">
-        <p14:creationId xmlns:p14="http://schemas.microsoft.com/office/powerpoint/2010/main" val="651947342"/>
+        <p14:creationId xmlns:p14="http://schemas.microsoft.com/office/powerpoint/2010/main" val="1268887621"/>
       </p:ext>
     </p:extLst>
   </p:cSld>
@@ -7258,140 +7299,6 @@
           <a:p>
             <a:r>
               <a:rPr lang="fr-FR" dirty="0"/>
-              <a:t>Coût</a:t>
-            </a:r>
-          </a:p>
-        </p:txBody>
-      </p:sp>
-      <p:sp>
-        <p:nvSpPr>
-          <p:cNvPr id="3" name="Espace réservé du contenu 2"/>
-          <p:cNvSpPr>
-            <a:spLocks noGrp="1"/>
-          </p:cNvSpPr>
-          <p:nvPr>
-            <p:ph idx="1"/>
-          </p:nvPr>
-        </p:nvSpPr>
-        <p:spPr>
-          <a:xfrm>
-            <a:off x="179513" y="1412776"/>
-            <a:ext cx="7056784" cy="5040560"/>
-          </a:xfrm>
-        </p:spPr>
-        <p:txBody>
-          <a:bodyPr/>
-          <a:lstStyle/>
-          <a:p>
-            <a:r>
-              <a:rPr lang="fr-FR" dirty="0"/>
-              <a:t>Très couteux</a:t>
-            </a:r>
-          </a:p>
-          <a:p>
-            <a:pPr lvl="1"/>
-            <a:r>
-              <a:rPr lang="fr-FR" dirty="0"/>
-              <a:t>Mais donne de très bon résultats</a:t>
-            </a:r>
-          </a:p>
-          <a:p>
-            <a:pPr lvl="1"/>
-            <a:r>
-              <a:rPr lang="fr-FR" dirty="0"/>
-              <a:t>Maitrise l’addition sur 4 bits avec 145 neurones et 100 itérations</a:t>
-            </a:r>
-          </a:p>
-        </p:txBody>
-      </p:sp>
-      <p:pic>
-        <p:nvPicPr>
-          <p:cNvPr id="3074" name="Picture 2" descr="../_images/multilayerperceptron_network.png"/>
-          <p:cNvPicPr>
-            <a:picLocks noChangeAspect="1" noChangeArrowheads="1"/>
-          </p:cNvPicPr>
-          <p:nvPr/>
-        </p:nvPicPr>
-        <p:blipFill>
-          <a:blip r:embed="rId2" cstate="print">
-            <a:extLst>
-              <a:ext uri="{28A0092B-C50C-407E-A947-70E740481C1C}">
-                <a14:useLocalDpi xmlns:a14="http://schemas.microsoft.com/office/drawing/2010/main" val="0"/>
-              </a:ext>
-            </a:extLst>
-          </a:blip>
-          <a:srcRect/>
-          <a:stretch>
-            <a:fillRect/>
-          </a:stretch>
-        </p:blipFill>
-        <p:spPr bwMode="auto">
-          <a:xfrm>
-            <a:off x="6863081" y="2132856"/>
-            <a:ext cx="2088232" cy="2269585"/>
-          </a:xfrm>
-          <a:prstGeom prst="rect">
-            <a:avLst/>
-          </a:prstGeom>
-          <a:noFill/>
-          <a:extLst>
-            <a:ext uri="{909E8E84-426E-40DD-AFC4-6F175D3DCCD1}">
-              <a14:hiddenFill xmlns:a14="http://schemas.microsoft.com/office/drawing/2010/main">
-                <a:solidFill>
-                  <a:srgbClr val="FFFFFF"/>
-                </a:solidFill>
-              </a14:hiddenFill>
-            </a:ext>
-          </a:extLst>
-        </p:spPr>
-      </p:pic>
-    </p:spTree>
-    <p:extLst>
-      <p:ext uri="{BB962C8B-B14F-4D97-AF65-F5344CB8AC3E}">
-        <p14:creationId xmlns:p14="http://schemas.microsoft.com/office/powerpoint/2010/main" val="1268887621"/>
-      </p:ext>
-    </p:extLst>
-  </p:cSld>
-  <p:clrMapOvr>
-    <a:masterClrMapping/>
-  </p:clrMapOvr>
-</p:sld>
-</file>
-
-<file path=ppt/slides/slide28.xml><?xml version="1.0" encoding="utf-8"?>
-<p:sld xmlns:a="http://schemas.openxmlformats.org/drawingml/2006/main" xmlns:r="http://schemas.openxmlformats.org/officeDocument/2006/relationships" xmlns:p="http://schemas.openxmlformats.org/presentationml/2006/main">
-  <p:cSld>
-    <p:spTree>
-      <p:nvGrpSpPr>
-        <p:cNvPr id="1" name=""/>
-        <p:cNvGrpSpPr/>
-        <p:nvPr/>
-      </p:nvGrpSpPr>
-      <p:grpSpPr>
-        <a:xfrm>
-          <a:off x="0" y="0"/>
-          <a:ext cx="0" cy="0"/>
-          <a:chOff x="0" y="0"/>
-          <a:chExt cx="0" cy="0"/>
-        </a:xfrm>
-      </p:grpSpPr>
-      <p:sp>
-        <p:nvSpPr>
-          <p:cNvPr id="2" name="Titre 1"/>
-          <p:cNvSpPr>
-            <a:spLocks noGrp="1"/>
-          </p:cNvSpPr>
-          <p:nvPr>
-            <p:ph type="title"/>
-          </p:nvPr>
-        </p:nvSpPr>
-        <p:spPr/>
-        <p:txBody>
-          <a:bodyPr/>
-          <a:lstStyle/>
-          <a:p>
-            <a:r>
-              <a:rPr lang="fr-FR" dirty="0"/>
               <a:t>Asymétrie</a:t>
             </a:r>
           </a:p>
@@ -7458,7 +7365,7 @@
 </p:sld>
 </file>
 
-<file path=ppt/slides/slide29.xml><?xml version="1.0" encoding="utf-8"?>
+<file path=ppt/slides/slide28.xml><?xml version="1.0" encoding="utf-8"?>
 <p:sld xmlns:a="http://schemas.openxmlformats.org/drawingml/2006/main" xmlns:r="http://schemas.openxmlformats.org/officeDocument/2006/relationships" xmlns:p="http://schemas.openxmlformats.org/presentationml/2006/main">
   <p:cSld>
     <p:spTree>
@@ -8780,13 +8687,7 @@
       </p:grpSpPr>
       <p:sp>
         <p:nvSpPr>
-          <p:cNvPr id="2" name="Titre 1">
-            <a:extLst>
-              <a:ext uri="{FF2B5EF4-FFF2-40B4-BE49-F238E27FC236}">
-                <a16:creationId xmlns:a16="http://schemas.microsoft.com/office/drawing/2014/main" id="{8F70621C-8133-4AF8-9F36-D6FE8A0E5231}"/>
-              </a:ext>
-            </a:extLst>
-          </p:cNvPr>
+          <p:cNvPr id="2" name="Titre 1"/>
           <p:cNvSpPr>
             <a:spLocks noGrp="1"/>
           </p:cNvSpPr>
@@ -8799,19 +8700,17 @@
           <a:bodyPr/>
           <a:lstStyle/>
           <a:p>
-            <a:endParaRPr lang="fr-FR"/>
+            <a:r>
+              <a:rPr lang="fr-FR" dirty="0" err="1"/>
+              <a:t>Bias</a:t>
+            </a:r>
+            <a:endParaRPr lang="fr-FR" dirty="0"/>
           </a:p>
         </p:txBody>
       </p:sp>
       <p:sp>
         <p:nvSpPr>
-          <p:cNvPr id="3" name="Espace réservé du contenu 2">
-            <a:extLst>
-              <a:ext uri="{FF2B5EF4-FFF2-40B4-BE49-F238E27FC236}">
-                <a16:creationId xmlns:a16="http://schemas.microsoft.com/office/drawing/2014/main" id="{0906E2D9-7FC5-4ADF-989D-3CBC34B19002}"/>
-              </a:ext>
-            </a:extLst>
-          </p:cNvPr>
+          <p:cNvPr id="3" name="Espace réservé du contenu 2"/>
           <p:cNvSpPr>
             <a:spLocks noGrp="1"/>
           </p:cNvSpPr>
@@ -8824,61 +8723,34 @@
           <a:bodyPr/>
           <a:lstStyle/>
           <a:p>
-            <a:endParaRPr lang="fr-FR"/>
+            <a:r>
+              <a:rPr lang="fr-FR" dirty="0"/>
+              <a:t>Présence ou non d’un seuil</a:t>
+            </a:r>
+          </a:p>
+          <a:p>
+            <a:pPr lvl="1"/>
+            <a:r>
+              <a:rPr lang="fr-FR" dirty="0"/>
+              <a:t>Seuil à 0</a:t>
+            </a:r>
+          </a:p>
+          <a:p>
+            <a:pPr lvl="1"/>
+            <a:r>
+              <a:rPr lang="fr-FR" dirty="0">
+                <a:sym typeface="Wingdings" panose="05000000000000000000" pitchFamily="2" charset="2"/>
+              </a:rPr>
+              <a:t>Ou équivalent à un poids avec une entrée à 1</a:t>
+            </a:r>
+            <a:endParaRPr lang="fr-FR" dirty="0"/>
           </a:p>
         </p:txBody>
       </p:sp>
-      <p:cxnSp>
-        <p:nvCxnSpPr>
-          <p:cNvPr id="5" name="Connecteur : en angle 4">
-            <a:extLst>
-              <a:ext uri="{FF2B5EF4-FFF2-40B4-BE49-F238E27FC236}">
-                <a16:creationId xmlns:a16="http://schemas.microsoft.com/office/drawing/2014/main" id="{3303298C-DFEE-4E8C-9806-5BC6013AC13E}"/>
-              </a:ext>
-            </a:extLst>
-          </p:cNvPr>
-          <p:cNvCxnSpPr>
-            <a:cxnSpLocks/>
-          </p:cNvCxnSpPr>
-          <p:nvPr/>
-        </p:nvCxnSpPr>
-        <p:spPr bwMode="auto">
-          <a:xfrm rot="10800000" flipV="1">
-            <a:off x="2483768" y="2348880"/>
-            <a:ext cx="3744416" cy="3312368"/>
-          </a:xfrm>
-          <a:prstGeom prst="bentConnector3">
-            <a:avLst>
-              <a:gd name="adj1" fmla="val 50000"/>
-            </a:avLst>
-          </a:prstGeom>
-          <a:gradFill rotWithShape="0">
-            <a:gsLst>
-              <a:gs pos="0">
-                <a:schemeClr val="accent1"/>
-              </a:gs>
-              <a:gs pos="100000">
-                <a:schemeClr val="bg1"/>
-              </a:gs>
-            </a:gsLst>
-            <a:lin ang="5400000" scaled="1"/>
-          </a:gradFill>
-          <a:ln w="9525" cap="flat" cmpd="sng" algn="ctr">
-            <a:solidFill>
-              <a:schemeClr val="tx1"/>
-            </a:solidFill>
-            <a:prstDash val="solid"/>
-            <a:round/>
-            <a:headEnd type="none" w="med" len="med"/>
-            <a:tailEnd type="none" w="med" len="med"/>
-          </a:ln>
-          <a:effectLst/>
-        </p:spPr>
-      </p:cxnSp>
     </p:spTree>
     <p:extLst>
       <p:ext uri="{BB962C8B-B14F-4D97-AF65-F5344CB8AC3E}">
-        <p14:creationId xmlns:p14="http://schemas.microsoft.com/office/powerpoint/2010/main" val="60975076"/>
+        <p14:creationId xmlns:p14="http://schemas.microsoft.com/office/powerpoint/2010/main" val="3568667684"/>
       </p:ext>
     </p:extLst>
   </p:cSld>
